--- a/Bericht/PPT/Website - Analytic Tools.pptx
+++ b/Bericht/PPT/Website - Analytic Tools.pptx
@@ -6,10 +6,10 @@
     <p:sldMasterId id="2147483776" r:id="rId2"/>
   </p:sldMasterIdLst>
   <p:notesMasterIdLst>
-    <p:notesMasterId r:id="rId28"/>
+    <p:notesMasterId r:id="rId29"/>
   </p:notesMasterIdLst>
   <p:handoutMasterIdLst>
-    <p:handoutMasterId r:id="rId29"/>
+    <p:handoutMasterId r:id="rId30"/>
   </p:handoutMasterIdLst>
   <p:sldIdLst>
     <p:sldId id="291" r:id="rId3"/>
@@ -26,8 +26,8 @@
     <p:sldId id="737" r:id="rId14"/>
     <p:sldId id="743" r:id="rId15"/>
     <p:sldId id="745" r:id="rId16"/>
-    <p:sldId id="749" r:id="rId17"/>
-    <p:sldId id="748" r:id="rId18"/>
+    <p:sldId id="748" r:id="rId17"/>
+    <p:sldId id="749" r:id="rId18"/>
     <p:sldId id="750" r:id="rId19"/>
     <p:sldId id="752" r:id="rId20"/>
     <p:sldId id="751" r:id="rId21"/>
@@ -35,8 +35,9 @@
     <p:sldId id="730" r:id="rId23"/>
     <p:sldId id="740" r:id="rId24"/>
     <p:sldId id="739" r:id="rId25"/>
-    <p:sldId id="733" r:id="rId26"/>
-    <p:sldId id="613" r:id="rId27"/>
+    <p:sldId id="756" r:id="rId26"/>
+    <p:sldId id="733" r:id="rId27"/>
+    <p:sldId id="613" r:id="rId28"/>
   </p:sldIdLst>
   <p:sldSz cx="9144000" cy="6858000" type="screen4x3"/>
   <p:notesSz cx="6797675" cy="9928225"/>
@@ -202,8 +203,8 @@
         </p:nvSpPr>
         <p:spPr>
           <a:xfrm>
-            <a:off x="0" y="0"/>
-            <a:ext cx="2945659" cy="496411"/>
+            <a:off x="1" y="0"/>
+            <a:ext cx="2945659" cy="496412"/>
           </a:xfrm>
           <a:prstGeom prst="rect">
             <a:avLst/>
@@ -245,8 +246,8 @@
         </p:nvSpPr>
         <p:spPr>
           <a:xfrm>
-            <a:off x="3850443" y="0"/>
-            <a:ext cx="2945659" cy="496411"/>
+            <a:off x="3850444" y="0"/>
+            <a:ext cx="2945659" cy="496412"/>
           </a:xfrm>
           <a:prstGeom prst="rect">
             <a:avLst/>
@@ -277,7 +278,7 @@
               <a:pPr>
                 <a:defRPr/>
               </a:pPr>
-              <a:t>05.02.2015</a:t>
+              <a:t>12.02.2015</a:t>
             </a:fld>
             <a:endParaRPr lang="de-DE" dirty="0"/>
           </a:p>
@@ -295,8 +296,8 @@
         </p:nvSpPr>
         <p:spPr>
           <a:xfrm>
-            <a:off x="0" y="9430091"/>
-            <a:ext cx="2945659" cy="496411"/>
+            <a:off x="1" y="9430091"/>
+            <a:ext cx="2945659" cy="496412"/>
           </a:xfrm>
           <a:prstGeom prst="rect">
             <a:avLst/>
@@ -338,8 +339,8 @@
         </p:nvSpPr>
         <p:spPr>
           <a:xfrm>
-            <a:off x="3850443" y="9430091"/>
-            <a:ext cx="2945659" cy="496411"/>
+            <a:off x="3850444" y="9430091"/>
+            <a:ext cx="2945659" cy="496412"/>
           </a:xfrm>
           <a:prstGeom prst="rect">
             <a:avLst/>
@@ -370,7 +371,7 @@
               <a:pPr>
                 <a:defRPr/>
               </a:pPr>
-              <a:t>‹#›</a:t>
+              <a:t>‹Nr.›</a:t>
             </a:fld>
             <a:endParaRPr lang="de-DE" dirty="0"/>
           </a:p>
@@ -379,7 +380,7 @@
     </p:spTree>
     <p:extLst>
       <p:ext uri="{BB962C8B-B14F-4D97-AF65-F5344CB8AC3E}">
-        <p14:creationId xmlns:p14="http://schemas.microsoft.com/office/powerpoint/2010/main" val="3326918958"/>
+        <p14:creationId xmlns:p14="http://schemas.microsoft.com/office/powerpoint/2010/main" xmlns="" val="3326918958"/>
       </p:ext>
     </p:extLst>
   </p:cSld>
@@ -422,7 +423,7 @@
         </p:nvSpPr>
         <p:spPr bwMode="auto">
           <a:xfrm>
-            <a:off x="0" y="0"/>
+            <a:off x="1" y="1"/>
             <a:ext cx="6797675" cy="9928225"/>
           </a:xfrm>
           <a:prstGeom prst="roundRect">
@@ -473,7 +474,7 @@
         </p:nvSpPr>
         <p:spPr bwMode="auto">
           <a:xfrm>
-            <a:off x="1" y="1"/>
+            <a:off x="2" y="2"/>
             <a:ext cx="2944086" cy="494688"/>
           </a:xfrm>
           <a:prstGeom prst="rect">
@@ -545,7 +546,7 @@
         </p:nvSpPr>
         <p:spPr bwMode="auto">
           <a:xfrm>
-            <a:off x="3850443" y="1"/>
+            <a:off x="3850444" y="2"/>
             <a:ext cx="2944085" cy="494688"/>
           </a:xfrm>
           <a:prstGeom prst="rect">
@@ -648,7 +649,7 @@
         </p:nvSpPr>
         <p:spPr bwMode="auto">
           <a:xfrm>
-            <a:off x="679768" y="4715907"/>
+            <a:off x="679769" y="4715908"/>
             <a:ext cx="5436567" cy="4465978"/>
           </a:xfrm>
           <a:prstGeom prst="rect">
@@ -688,7 +689,7 @@
         </p:nvSpPr>
         <p:spPr bwMode="auto">
           <a:xfrm>
-            <a:off x="1" y="9430091"/>
+            <a:off x="2" y="9430092"/>
             <a:ext cx="2944086" cy="494687"/>
           </a:xfrm>
           <a:prstGeom prst="rect">
@@ -760,7 +761,7 @@
         </p:nvSpPr>
         <p:spPr bwMode="auto">
           <a:xfrm>
-            <a:off x="3850443" y="9430091"/>
+            <a:off x="3850444" y="9430092"/>
             <a:ext cx="2944085" cy="494687"/>
           </a:xfrm>
           <a:prstGeom prst="rect">
@@ -821,7 +822,7 @@
               <a:pPr>
                 <a:defRPr/>
               </a:pPr>
-              <a:t>‹#›</a:t>
+              <a:t>‹Nr.›</a:t>
             </a:fld>
             <a:endParaRPr lang="de-DE" dirty="0"/>
           </a:p>
@@ -830,7 +831,7 @@
     </p:spTree>
     <p:extLst>
       <p:ext uri="{BB962C8B-B14F-4D97-AF65-F5344CB8AC3E}">
-        <p14:creationId xmlns:p14="http://schemas.microsoft.com/office/powerpoint/2010/main" val="1438096023"/>
+        <p14:creationId xmlns:p14="http://schemas.microsoft.com/office/powerpoint/2010/main" xmlns="" val="1438096023"/>
       </p:ext>
     </p:extLst>
   </p:cSld>
@@ -1135,46 +1136,80 @@
           <a:lstStyle/>
           <a:p>
             <a:r>
-              <a:rPr lang="de-DE" sz="1200" b="0" i="0" kern="1200" dirty="0" smtClean="0">
-                <a:solidFill>
-                  <a:schemeClr val="tx1"/>
-                </a:solidFill>
-                <a:effectLst/>
-                <a:latin typeface="Times New Roman" pitchFamily="16" charset="0"/>
-                <a:ea typeface="+mn-ea"/>
-                <a:cs typeface="+mn-cs"/>
-              </a:rPr>
-              <a:t> </a:t>
-            </a:r>
-            <a:r>
-              <a:rPr lang="de-DE" sz="1200" b="0" i="0" kern="1200" dirty="0" err="1" smtClean="0">
-                <a:solidFill>
-                  <a:schemeClr val="tx1"/>
-                </a:solidFill>
-                <a:effectLst/>
-                <a:latin typeface="Times New Roman" pitchFamily="16" charset="0"/>
-                <a:ea typeface="+mn-ea"/>
-                <a:cs typeface="+mn-cs"/>
-              </a:rPr>
-              <a:t>ajax</a:t>
-            </a:r>
-            <a:r>
-              <a:rPr lang="de-DE" sz="1200" b="0" i="0" kern="1200" dirty="0" smtClean="0">
-                <a:solidFill>
-                  <a:schemeClr val="tx1"/>
-                </a:solidFill>
-                <a:effectLst/>
-                <a:latin typeface="Times New Roman" pitchFamily="16" charset="0"/>
-                <a:ea typeface="+mn-ea"/>
-                <a:cs typeface="+mn-cs"/>
-              </a:rPr>
-              <a:t> - asynchronen Datenübertragung zwischen einem Browser und dem Server</a:t>
-            </a:r>
-            <a:endParaRPr lang="de-DE" dirty="0">
-              <a:solidFill>
-                <a:schemeClr val="tx1"/>
-              </a:solidFill>
-            </a:endParaRPr>
+              <a:rPr lang="de-DE" dirty="0" smtClean="0"/>
+              <a:t>Ich habe viele</a:t>
+            </a:r>
+            <a:r>
+              <a:rPr lang="de-DE" baseline="0" dirty="0" smtClean="0"/>
+              <a:t> Website Sprachen benutzt, das wichtigste ist HTML – mit HTML kann man die Seite bauen, dann mit CSS ist Layout und Design konfiguriert und letztens JavaScript, welches die Seite dynamisch macht. Die 3 sind sozusagen die Basis jedes Website.</a:t>
+            </a:r>
+          </a:p>
+          <a:p>
+            <a:r>
+              <a:rPr lang="de-DE" baseline="0" dirty="0" smtClean="0"/>
+              <a:t>Mit diese Sprachen habe ich die vorher gezeigte Konzepte umgesetzt. Die Seiten habe ich mit dem Editor Sublime Text 2 geschrieben. Dann die Teste von das geschriebene Quellcode erfolgen im Browsers. Ich muss es immer im mehrere Browser Testen damit ich weiß das es überall kompatibel ist.</a:t>
+            </a:r>
+          </a:p>
+          <a:p>
+            <a:r>
+              <a:rPr lang="de-DE" baseline="0" dirty="0" smtClean="0"/>
+              <a:t>Es war abgesprochen das ich Bootstrap benutzen soll. Bootstrap dient als CSS für die ganze Seite, es hat bereits Klassen erstellt, welche die HTML Elementen beeinflussen, dass heißt, wenn ich zum Beispiel die Benutzer-Leiste oben fixieren möchte, muss ich schreiben: &lt;</a:t>
+            </a:r>
+            <a:r>
+              <a:rPr lang="de-DE" baseline="0" dirty="0" err="1" smtClean="0"/>
+              <a:t>nav</a:t>
+            </a:r>
+            <a:r>
+              <a:rPr lang="de-DE" baseline="0" dirty="0" smtClean="0"/>
+              <a:t> </a:t>
+            </a:r>
+            <a:r>
+              <a:rPr lang="de-DE" baseline="0" dirty="0" err="1" smtClean="0"/>
+              <a:t>class</a:t>
+            </a:r>
+            <a:r>
+              <a:rPr lang="de-DE" baseline="0" dirty="0" smtClean="0"/>
+              <a:t>=„</a:t>
+            </a:r>
+            <a:r>
+              <a:rPr lang="de-DE" baseline="0" dirty="0" err="1" smtClean="0"/>
+              <a:t>navbar</a:t>
+            </a:r>
+            <a:r>
+              <a:rPr lang="de-DE" baseline="0" dirty="0" smtClean="0"/>
+              <a:t>-</a:t>
+            </a:r>
+            <a:r>
+              <a:rPr lang="de-DE" baseline="0" dirty="0" err="1" smtClean="0"/>
+              <a:t>fixed</a:t>
+            </a:r>
+            <a:r>
+              <a:rPr lang="de-DE" baseline="0" dirty="0" smtClean="0"/>
+              <a:t>-top </a:t>
+            </a:r>
+            <a:r>
+              <a:rPr lang="de-DE" baseline="0" dirty="0" err="1" smtClean="0"/>
+              <a:t>navbar-default</a:t>
+            </a:r>
+            <a:r>
+              <a:rPr lang="de-DE" baseline="0" dirty="0" smtClean="0"/>
+              <a:t>“&gt; </a:t>
+            </a:r>
+          </a:p>
+          <a:p>
+            <a:r>
+              <a:rPr lang="de-DE" baseline="0" dirty="0" smtClean="0"/>
+              <a:t>Die jQuery ist eine Vereinfachung von </a:t>
+            </a:r>
+            <a:r>
+              <a:rPr lang="de-DE" baseline="0" dirty="0" err="1" smtClean="0"/>
+              <a:t>Javascript</a:t>
+            </a:r>
+            <a:r>
+              <a:rPr lang="de-DE" baseline="0" dirty="0" smtClean="0"/>
+              <a:t>. Es kann besser mit Manipulation mit dynamische Daten umgehen. Einen Beispiel dafür werde ich noch zeigen.</a:t>
+            </a:r>
+            <a:endParaRPr lang="de-DE" dirty="0"/>
           </a:p>
         </p:txBody>
       </p:sp>
@@ -1201,7 +1236,7 @@
               <a:pPr>
                 <a:defRPr/>
               </a:pPr>
-              <a:t>11</a:t>
+              <a:t>10</a:t>
             </a:fld>
             <a:endParaRPr lang="de-DE" dirty="0"/>
           </a:p>
@@ -1261,7 +1296,47 @@
           </a:bodyPr>
           <a:lstStyle/>
           <a:p>
-            <a:endParaRPr lang="de-DE" dirty="0"/>
+            <a:r>
+              <a:rPr lang="de-DE" sz="1200" b="0" i="0" kern="1200" dirty="0" smtClean="0">
+                <a:solidFill>
+                  <a:schemeClr val="tx1"/>
+                </a:solidFill>
+                <a:effectLst/>
+                <a:latin typeface="Times New Roman" pitchFamily="16" charset="0"/>
+                <a:ea typeface="+mn-ea"/>
+                <a:cs typeface="+mn-cs"/>
+              </a:rPr>
+              <a:t> </a:t>
+            </a:r>
+            <a:r>
+              <a:rPr lang="de-DE" sz="1200" b="0" i="0" kern="1200" dirty="0" err="1" smtClean="0">
+                <a:solidFill>
+                  <a:schemeClr val="tx1"/>
+                </a:solidFill>
+                <a:effectLst/>
+                <a:latin typeface="Times New Roman" pitchFamily="16" charset="0"/>
+                <a:ea typeface="+mn-ea"/>
+                <a:cs typeface="+mn-cs"/>
+              </a:rPr>
+              <a:t>ajax</a:t>
+            </a:r>
+            <a:r>
+              <a:rPr lang="de-DE" sz="1200" b="0" i="0" kern="1200" dirty="0" smtClean="0">
+                <a:solidFill>
+                  <a:schemeClr val="tx1"/>
+                </a:solidFill>
+                <a:effectLst/>
+                <a:latin typeface="Times New Roman" pitchFamily="16" charset="0"/>
+                <a:ea typeface="+mn-ea"/>
+                <a:cs typeface="+mn-cs"/>
+              </a:rPr>
+              <a:t> - asynchronen Datenübertragung zwischen einem Browser und dem Server</a:t>
+            </a:r>
+            <a:endParaRPr lang="de-DE" dirty="0">
+              <a:solidFill>
+                <a:schemeClr val="tx1"/>
+              </a:solidFill>
+            </a:endParaRPr>
           </a:p>
         </p:txBody>
       </p:sp>
@@ -1288,7 +1363,7 @@
               <a:pPr>
                 <a:defRPr/>
               </a:pPr>
-              <a:t>14</a:t>
+              <a:t>11</a:t>
             </a:fld>
             <a:endParaRPr lang="de-DE" dirty="0"/>
           </a:p>
@@ -1348,15 +1423,7 @@
           </a:bodyPr>
           <a:lstStyle/>
           <a:p>
-            <a:r>
-              <a:rPr lang="de-DE" dirty="0" smtClean="0"/>
-              <a:t>Alte</a:t>
-            </a:r>
-            <a:r>
-              <a:rPr lang="de-DE" baseline="0" dirty="0" smtClean="0"/>
-              <a:t> Version zeigen und jQuery zeigen! Mit dieses habe ich eine Seite nach meine Konzepte geschrieben. </a:t>
-            </a:r>
-            <a:endParaRPr lang="de-DE" dirty="0"/>
+            <a:endParaRPr lang="de-DE"/>
           </a:p>
         </p:txBody>
       </p:sp>
@@ -1383,7 +1450,7 @@
               <a:pPr>
                 <a:defRPr/>
               </a:pPr>
-              <a:t>15</a:t>
+              <a:t>12</a:t>
             </a:fld>
             <a:endParaRPr lang="de-DE" dirty="0"/>
           </a:p>
@@ -1443,25 +1510,7 @@
           </a:bodyPr>
           <a:lstStyle/>
           <a:p>
-            <a:r>
-              <a:rPr lang="de-DE" dirty="0" smtClean="0"/>
-              <a:t>So sieht</a:t>
-            </a:r>
-            <a:r>
-              <a:rPr lang="de-DE" baseline="0" dirty="0" smtClean="0"/>
-              <a:t> das CSS von </a:t>
-            </a:r>
-            <a:r>
-              <a:rPr lang="de-DE" baseline="0" dirty="0" err="1" smtClean="0"/>
-              <a:t>login-seite</a:t>
-            </a:r>
-            <a:r>
-              <a:rPr lang="de-DE" baseline="0" dirty="0" smtClean="0"/>
-              <a:t> </a:t>
-            </a:r>
-          </a:p>
-          <a:p>
-            <a:endParaRPr lang="de-DE" dirty="0"/>
+            <a:endParaRPr lang="de-DE"/>
           </a:p>
         </p:txBody>
       </p:sp>
@@ -1488,7 +1537,7 @@
               <a:pPr>
                 <a:defRPr/>
               </a:pPr>
-              <a:t>16</a:t>
+              <a:t>13</a:t>
             </a:fld>
             <a:endParaRPr lang="de-DE" dirty="0"/>
           </a:p>
@@ -1548,30 +1597,6 @@
           </a:bodyPr>
           <a:lstStyle/>
           <a:p>
-            <a:r>
-              <a:rPr lang="de-DE" dirty="0" smtClean="0"/>
-              <a:t>Das</a:t>
-            </a:r>
-            <a:r>
-              <a:rPr lang="de-DE" baseline="0" dirty="0" smtClean="0"/>
-              <a:t> was geschrieben war, habe ich in den </a:t>
-            </a:r>
-            <a:r>
-              <a:rPr lang="de-DE" baseline="0" dirty="0" err="1" smtClean="0"/>
-              <a:t>sb-admin</a:t>
-            </a:r>
-            <a:r>
-              <a:rPr lang="de-DE" baseline="0" dirty="0" smtClean="0"/>
-              <a:t> integriert und so sieht das aus. Damit es aber übersichtlicher wird, habe ich später die Kontinente, Länder in die linke Spalte </a:t>
-            </a:r>
-            <a:r>
-              <a:rPr lang="de-DE" baseline="0" dirty="0" err="1" smtClean="0"/>
-              <a:t>reingefügt</a:t>
-            </a:r>
-            <a:r>
-              <a:rPr lang="de-DE" baseline="0" dirty="0" smtClean="0"/>
-              <a:t>.  </a:t>
-            </a:r>
             <a:endParaRPr lang="de-DE" dirty="0"/>
           </a:p>
         </p:txBody>
@@ -1599,7 +1624,7 @@
               <a:pPr>
                 <a:defRPr/>
               </a:pPr>
-              <a:t>17</a:t>
+              <a:t>14</a:t>
             </a:fld>
             <a:endParaRPr lang="de-DE" dirty="0"/>
           </a:p>
@@ -1661,76 +1686,22 @@
           <a:p>
             <a:r>
               <a:rPr lang="de-DE" dirty="0" smtClean="0"/>
-              <a:t>Um die Daten zu visualisieren</a:t>
+              <a:t>So sieht</a:t>
             </a:r>
             <a:r>
               <a:rPr lang="de-DE" baseline="0" dirty="0" smtClean="0"/>
-              <a:t> braucht man eine Diagramm-Bibliothek – ich habe mehrere </a:t>
+              <a:t> das CSS von </a:t>
             </a:r>
             <a:r>
               <a:rPr lang="de-DE" baseline="0" dirty="0" err="1" smtClean="0"/>
-              <a:t>Javascript</a:t>
-            </a:r>
-            <a:r>
-              <a:rPr lang="de-DE" baseline="0" dirty="0" smtClean="0"/>
-              <a:t> – Bibliotheken untersucht. Die Kriterien untersuchen. Ich nenne paar Beispielen: </a:t>
-            </a:r>
-            <a:r>
-              <a:rPr lang="de-DE" baseline="0" dirty="0" err="1" smtClean="0"/>
-              <a:t>jqPlot</a:t>
-            </a:r>
-            <a:r>
-              <a:rPr lang="de-DE" baseline="0" dirty="0" smtClean="0"/>
-              <a:t>, </a:t>
-            </a:r>
-            <a:r>
-              <a:rPr lang="de-DE" baseline="0" dirty="0" err="1" smtClean="0"/>
-              <a:t>highcharts</a:t>
-            </a:r>
-            <a:r>
-              <a:rPr lang="de-DE" baseline="0" dirty="0" smtClean="0"/>
-              <a:t>, </a:t>
-            </a:r>
-            <a:r>
-              <a:rPr lang="de-DE" baseline="0" dirty="0" err="1" smtClean="0"/>
-              <a:t>flot</a:t>
+              <a:t>login-seite</a:t>
             </a:r>
             <a:r>
               <a:rPr lang="de-DE" baseline="0" dirty="0" smtClean="0"/>
               <a:t> </a:t>
             </a:r>
-            <a:r>
-              <a:rPr lang="de-DE" baseline="0" dirty="0" err="1" smtClean="0"/>
-              <a:t>charts</a:t>
-            </a:r>
-            <a:r>
-              <a:rPr lang="de-DE" baseline="0" dirty="0" smtClean="0"/>
-              <a:t> oder </a:t>
-            </a:r>
-            <a:r>
-              <a:rPr lang="de-DE" baseline="0" dirty="0" err="1" smtClean="0"/>
-              <a:t>fusioncharts</a:t>
-            </a:r>
-            <a:r>
-              <a:rPr lang="de-DE" baseline="0" dirty="0" smtClean="0"/>
-              <a:t>. Die 2 besten waren </a:t>
-            </a:r>
-            <a:r>
-              <a:rPr lang="de-DE" baseline="0" dirty="0" err="1" smtClean="0"/>
-              <a:t>Amcharts</a:t>
-            </a:r>
-            <a:r>
-              <a:rPr lang="de-DE" baseline="0" dirty="0" smtClean="0"/>
-              <a:t> und </a:t>
-            </a:r>
-            <a:r>
-              <a:rPr lang="de-DE" baseline="0" dirty="0" err="1" smtClean="0"/>
-              <a:t>dyGraphs</a:t>
-            </a:r>
-            <a:r>
-              <a:rPr lang="de-DE" baseline="0" dirty="0" smtClean="0"/>
-              <a:t>. Ich habe Testseiten mit Testdaten gebaut, dass ich es euch zeigen kann. </a:t>
-            </a:r>
+          </a:p>
+          <a:p>
             <a:endParaRPr lang="de-DE" dirty="0"/>
           </a:p>
         </p:txBody>
@@ -1758,7 +1729,7 @@
               <a:pPr>
                 <a:defRPr/>
               </a:pPr>
-              <a:t>20</a:t>
+              <a:t>15</a:t>
             </a:fld>
             <a:endParaRPr lang="de-DE" dirty="0"/>
           </a:p>
@@ -1820,33 +1791,11 @@
           <a:p>
             <a:r>
               <a:rPr lang="de-DE" dirty="0" smtClean="0"/>
-              <a:t>Zurzeit</a:t>
+              <a:t>Alte</a:t>
             </a:r>
             <a:r>
               <a:rPr lang="de-DE" baseline="0" dirty="0" smtClean="0"/>
-              <a:t> gibt es zwei Datenbank-Tabellen </a:t>
-            </a:r>
-          </a:p>
-          <a:p>
-            <a:r>
-              <a:rPr lang="de-DE" baseline="0" dirty="0" smtClean="0"/>
-              <a:t>– eine mit alle Werten wie Zellspannung, Temperaturen außen, in EBU oder einer Zelle, dann z.B.: die Ladezyklen, die Frequenz der EBU und Fehlermeldungen zu jeden Modul</a:t>
-            </a:r>
-          </a:p>
-          <a:p>
-            <a:r>
-              <a:rPr lang="de-DE" baseline="0" dirty="0" smtClean="0"/>
-              <a:t>– In Meta-Datenbank sind alle allgemeine Informationen zu Kraftwerken gespeichert, wenn wir z.B.: die Kraftwerk Alt Daber nehmen, muss für dies Ort – Koordinaten, Land, Ort, welche Modulen und weitere stehen.</a:t>
-            </a:r>
-          </a:p>
-          <a:p>
-            <a:pPr>
-              <a:buFontTx/>
-              <a:buNone/>
-            </a:pPr>
-            <a:r>
-              <a:rPr lang="de-DE" baseline="0" dirty="0" smtClean="0"/>
-              <a:t>Man kann diese Tabellen manuell im phpPgAdmin oder Adminer Umgebung eintippen oder was schneller geht und ist übersichtlicher – mit SQL-Code schreiben und den Code hochladen. Es wird über SQL-Query ausgeführt. </a:t>
+              <a:t> Version zeigen und jQuery zeigen! Mit dieses habe ich eine Seite nach meine Konzepte geschrieben. </a:t>
             </a:r>
             <a:endParaRPr lang="de-DE" dirty="0"/>
           </a:p>
@@ -1875,7 +1824,7 @@
               <a:pPr>
                 <a:defRPr/>
               </a:pPr>
-              <a:t>21</a:t>
+              <a:t>16</a:t>
             </a:fld>
             <a:endParaRPr lang="de-DE" dirty="0"/>
           </a:p>
@@ -1935,6 +1884,30 @@
           </a:bodyPr>
           <a:lstStyle/>
           <a:p>
+            <a:r>
+              <a:rPr lang="de-DE" dirty="0" smtClean="0"/>
+              <a:t>Das</a:t>
+            </a:r>
+            <a:r>
+              <a:rPr lang="de-DE" baseline="0" dirty="0" smtClean="0"/>
+              <a:t> was geschrieben war, habe ich in den </a:t>
+            </a:r>
+            <a:r>
+              <a:rPr lang="de-DE" baseline="0" dirty="0" err="1" smtClean="0"/>
+              <a:t>sb-admin</a:t>
+            </a:r>
+            <a:r>
+              <a:rPr lang="de-DE" baseline="0" dirty="0" smtClean="0"/>
+              <a:t> integriert und so sieht das aus. Damit es aber übersichtlicher wird, habe ich später die Kontinente, Länder in die linke Spalte </a:t>
+            </a:r>
+            <a:r>
+              <a:rPr lang="de-DE" baseline="0" dirty="0" err="1" smtClean="0"/>
+              <a:t>reingefügt</a:t>
+            </a:r>
+            <a:r>
+              <a:rPr lang="de-DE" baseline="0" dirty="0" smtClean="0"/>
+              <a:t>.  </a:t>
+            </a:r>
             <a:endParaRPr lang="de-DE" dirty="0"/>
           </a:p>
         </p:txBody>
@@ -1962,7 +1935,7 @@
               <a:pPr>
                 <a:defRPr/>
               </a:pPr>
-              <a:t>22</a:t>
+              <a:t>17</a:t>
             </a:fld>
             <a:endParaRPr lang="de-DE" dirty="0"/>
           </a:p>
@@ -2022,23 +1995,7 @@
           </a:bodyPr>
           <a:lstStyle/>
           <a:p>
-            <a:r>
-              <a:rPr lang="de-DE" dirty="0" smtClean="0"/>
-              <a:t>So sieht das im phpPgAdmin</a:t>
-            </a:r>
-            <a:r>
-              <a:rPr lang="de-DE" baseline="0" dirty="0" smtClean="0"/>
-              <a:t>, was eine Verwaltung von </a:t>
-            </a:r>
-            <a:r>
-              <a:rPr lang="de-DE" baseline="0" dirty="0" err="1" smtClean="0"/>
-              <a:t>postgreSQL</a:t>
-            </a:r>
-            <a:r>
-              <a:rPr lang="de-DE" baseline="0" dirty="0" smtClean="0"/>
-              <a:t> Datenbanken ist. Man kann die Tabellen auch hier bearbeiten, neue Anträge und alles andere machen. Über den SQL-Query geht es aber schneller.</a:t>
-            </a:r>
-            <a:endParaRPr lang="de-DE" dirty="0"/>
+            <a:endParaRPr lang="de-DE"/>
           </a:p>
         </p:txBody>
       </p:sp>
@@ -2065,7 +2022,7 @@
               <a:pPr>
                 <a:defRPr/>
               </a:pPr>
-              <a:t>23</a:t>
+              <a:t>18</a:t>
             </a:fld>
             <a:endParaRPr lang="de-DE" dirty="0"/>
           </a:p>
@@ -2125,15 +2082,7 @@
           </a:bodyPr>
           <a:lstStyle/>
           <a:p>
-            <a:r>
-              <a:rPr lang="de-DE" dirty="0" smtClean="0"/>
-              <a:t>Jetzt</a:t>
-            </a:r>
-            <a:r>
-              <a:rPr lang="de-DE" baseline="0" dirty="0" smtClean="0"/>
-              <a:t> zeige ich euch die Website Online – paar Daten habe ich schon auch visualisiert.</a:t>
-            </a:r>
-            <a:endParaRPr lang="de-DE" dirty="0"/>
+            <a:endParaRPr lang="de-DE"/>
           </a:p>
         </p:txBody>
       </p:sp>
@@ -2160,7 +2109,7 @@
               <a:pPr>
                 <a:defRPr/>
               </a:pPr>
-              <a:t>24</a:t>
+              <a:t>19</a:t>
             </a:fld>
             <a:endParaRPr lang="de-DE" dirty="0"/>
           </a:p>
@@ -2280,6 +2229,654 @@
       </p:grpSpPr>
       <p:sp>
         <p:nvSpPr>
+          <p:cNvPr id="2" name="Folienbildplatzhalter 1"/>
+          <p:cNvSpPr>
+            <a:spLocks noGrp="1" noRot="1" noChangeAspect="1"/>
+          </p:cNvSpPr>
+          <p:nvPr>
+            <p:ph type="sldImg"/>
+          </p:nvPr>
+        </p:nvSpPr>
+        <p:spPr/>
+      </p:sp>
+      <p:sp>
+        <p:nvSpPr>
+          <p:cNvPr id="3" name="Notizenplatzhalter 2"/>
+          <p:cNvSpPr>
+            <a:spLocks noGrp="1"/>
+          </p:cNvSpPr>
+          <p:nvPr>
+            <p:ph type="body" idx="1"/>
+          </p:nvPr>
+        </p:nvSpPr>
+        <p:spPr/>
+        <p:txBody>
+          <a:bodyPr>
+            <a:normAutofit/>
+          </a:bodyPr>
+          <a:lstStyle/>
+          <a:p>
+            <a:r>
+              <a:rPr lang="de-DE" dirty="0" smtClean="0"/>
+              <a:t>Um die Daten zu visualisieren</a:t>
+            </a:r>
+            <a:r>
+              <a:rPr lang="de-DE" baseline="0" dirty="0" smtClean="0"/>
+              <a:t> braucht man eine Diagramm-Bibliothek – ich habe mehrere </a:t>
+            </a:r>
+            <a:r>
+              <a:rPr lang="de-DE" baseline="0" dirty="0" err="1" smtClean="0"/>
+              <a:t>Javascript</a:t>
+            </a:r>
+            <a:r>
+              <a:rPr lang="de-DE" baseline="0" dirty="0" smtClean="0"/>
+              <a:t> – Bibliotheken untersucht. Die Kriterien untersuchen. Ich nenne paar Beispielen: </a:t>
+            </a:r>
+            <a:r>
+              <a:rPr lang="de-DE" baseline="0" dirty="0" err="1" smtClean="0"/>
+              <a:t>jqPlot</a:t>
+            </a:r>
+            <a:r>
+              <a:rPr lang="de-DE" baseline="0" dirty="0" smtClean="0"/>
+              <a:t>, </a:t>
+            </a:r>
+            <a:r>
+              <a:rPr lang="de-DE" baseline="0" dirty="0" err="1" smtClean="0"/>
+              <a:t>highcharts</a:t>
+            </a:r>
+            <a:r>
+              <a:rPr lang="de-DE" baseline="0" dirty="0" smtClean="0"/>
+              <a:t>, </a:t>
+            </a:r>
+            <a:r>
+              <a:rPr lang="de-DE" baseline="0" dirty="0" err="1" smtClean="0"/>
+              <a:t>flot</a:t>
+            </a:r>
+            <a:r>
+              <a:rPr lang="de-DE" baseline="0" dirty="0" smtClean="0"/>
+              <a:t> </a:t>
+            </a:r>
+            <a:r>
+              <a:rPr lang="de-DE" baseline="0" dirty="0" err="1" smtClean="0"/>
+              <a:t>charts</a:t>
+            </a:r>
+            <a:r>
+              <a:rPr lang="de-DE" baseline="0" dirty="0" smtClean="0"/>
+              <a:t> oder </a:t>
+            </a:r>
+            <a:r>
+              <a:rPr lang="de-DE" baseline="0" dirty="0" err="1" smtClean="0"/>
+              <a:t>fusioncharts</a:t>
+            </a:r>
+            <a:r>
+              <a:rPr lang="de-DE" baseline="0" dirty="0" smtClean="0"/>
+              <a:t>. Die 2 besten waren </a:t>
+            </a:r>
+            <a:r>
+              <a:rPr lang="de-DE" baseline="0" dirty="0" err="1" smtClean="0"/>
+              <a:t>Amcharts</a:t>
+            </a:r>
+            <a:r>
+              <a:rPr lang="de-DE" baseline="0" dirty="0" smtClean="0"/>
+              <a:t> und </a:t>
+            </a:r>
+            <a:r>
+              <a:rPr lang="de-DE" baseline="0" dirty="0" err="1" smtClean="0"/>
+              <a:t>dyGraphs</a:t>
+            </a:r>
+            <a:r>
+              <a:rPr lang="de-DE" baseline="0" dirty="0" smtClean="0"/>
+              <a:t>. Ich habe Testseiten mit Testdaten gebaut, dass ich es euch zeigen kann. </a:t>
+            </a:r>
+            <a:endParaRPr lang="de-DE" dirty="0"/>
+          </a:p>
+        </p:txBody>
+      </p:sp>
+      <p:sp>
+        <p:nvSpPr>
+          <p:cNvPr id="4" name="Foliennummernplatzhalter 3"/>
+          <p:cNvSpPr>
+            <a:spLocks noGrp="1"/>
+          </p:cNvSpPr>
+          <p:nvPr>
+            <p:ph type="sldNum" idx="10"/>
+          </p:nvPr>
+        </p:nvSpPr>
+        <p:spPr/>
+        <p:txBody>
+          <a:bodyPr/>
+          <a:lstStyle/>
+          <a:p>
+            <a:pPr>
+              <a:defRPr/>
+            </a:pPr>
+            <a:fld id="{E811A358-667D-414F-B600-E957DA09B8F5}" type="slidenum">
+              <a:rPr lang="de-DE" smtClean="0"/>
+              <a:pPr>
+                <a:defRPr/>
+              </a:pPr>
+              <a:t>20</a:t>
+            </a:fld>
+            <a:endParaRPr lang="de-DE" dirty="0"/>
+          </a:p>
+        </p:txBody>
+      </p:sp>
+    </p:spTree>
+  </p:cSld>
+  <p:clrMapOvr>
+    <a:masterClrMapping/>
+  </p:clrMapOvr>
+</p:notes>
+</file>
+
+<file path=ppt/notesSlides/notesSlide21.xml><?xml version="1.0" encoding="utf-8"?>
+<p:notes xmlns:a="http://schemas.openxmlformats.org/drawingml/2006/main" xmlns:r="http://schemas.openxmlformats.org/officeDocument/2006/relationships" xmlns:p="http://schemas.openxmlformats.org/presentationml/2006/main">
+  <p:cSld>
+    <p:spTree>
+      <p:nvGrpSpPr>
+        <p:cNvPr id="1" name=""/>
+        <p:cNvGrpSpPr/>
+        <p:nvPr/>
+      </p:nvGrpSpPr>
+      <p:grpSpPr>
+        <a:xfrm>
+          <a:off x="0" y="0"/>
+          <a:ext cx="0" cy="0"/>
+          <a:chOff x="0" y="0"/>
+          <a:chExt cx="0" cy="0"/>
+        </a:xfrm>
+      </p:grpSpPr>
+      <p:sp>
+        <p:nvSpPr>
+          <p:cNvPr id="2" name="Folienbildplatzhalter 1"/>
+          <p:cNvSpPr>
+            <a:spLocks noGrp="1" noRot="1" noChangeAspect="1"/>
+          </p:cNvSpPr>
+          <p:nvPr>
+            <p:ph type="sldImg"/>
+          </p:nvPr>
+        </p:nvSpPr>
+        <p:spPr/>
+      </p:sp>
+      <p:sp>
+        <p:nvSpPr>
+          <p:cNvPr id="3" name="Notizenplatzhalter 2"/>
+          <p:cNvSpPr>
+            <a:spLocks noGrp="1"/>
+          </p:cNvSpPr>
+          <p:nvPr>
+            <p:ph type="body" idx="1"/>
+          </p:nvPr>
+        </p:nvSpPr>
+        <p:spPr/>
+        <p:txBody>
+          <a:bodyPr>
+            <a:normAutofit/>
+          </a:bodyPr>
+          <a:lstStyle/>
+          <a:p>
+            <a:r>
+              <a:rPr lang="de-DE" dirty="0" smtClean="0"/>
+              <a:t>Zurzeit</a:t>
+            </a:r>
+            <a:r>
+              <a:rPr lang="de-DE" baseline="0" dirty="0" smtClean="0"/>
+              <a:t> gibt es zwei Datenbank-Tabellen </a:t>
+            </a:r>
+          </a:p>
+          <a:p>
+            <a:r>
+              <a:rPr lang="de-DE" baseline="0" dirty="0" smtClean="0"/>
+              <a:t>– eine mit alle Werten wie Zellspannung, Temperaturen außen, in EBU oder einer Zelle, dann z.B.: die Ladezyklen, die Frequenz der EBU und Fehlermeldungen zu jeden Modul</a:t>
+            </a:r>
+          </a:p>
+          <a:p>
+            <a:r>
+              <a:rPr lang="de-DE" baseline="0" dirty="0" smtClean="0"/>
+              <a:t>– In Meta-Datenbank sind alle allgemeine Informationen zu Kraftwerken gespeichert, wenn wir z.B.: die Kraftwerk Alt Daber nehmen, muss für dies Ort – Koordinaten, Land, Ort, welche Modulen und weitere stehen.</a:t>
+            </a:r>
+          </a:p>
+          <a:p>
+            <a:pPr>
+              <a:buFontTx/>
+              <a:buNone/>
+            </a:pPr>
+            <a:r>
+              <a:rPr lang="de-DE" baseline="0" dirty="0" smtClean="0"/>
+              <a:t>Man kann diese Tabellen manuell im phpPgAdmin oder Adminer Umgebung eintippen oder was schneller geht und ist übersichtlicher – mit SQL-Code schreiben und den Code hochladen. Es wird über SQL-Query ausgeführt. </a:t>
+            </a:r>
+            <a:endParaRPr lang="de-DE" dirty="0"/>
+          </a:p>
+        </p:txBody>
+      </p:sp>
+      <p:sp>
+        <p:nvSpPr>
+          <p:cNvPr id="4" name="Foliennummernplatzhalter 3"/>
+          <p:cNvSpPr>
+            <a:spLocks noGrp="1"/>
+          </p:cNvSpPr>
+          <p:nvPr>
+            <p:ph type="sldNum" idx="10"/>
+          </p:nvPr>
+        </p:nvSpPr>
+        <p:spPr/>
+        <p:txBody>
+          <a:bodyPr/>
+          <a:lstStyle/>
+          <a:p>
+            <a:pPr>
+              <a:defRPr/>
+            </a:pPr>
+            <a:fld id="{E811A358-667D-414F-B600-E957DA09B8F5}" type="slidenum">
+              <a:rPr lang="de-DE" smtClean="0"/>
+              <a:pPr>
+                <a:defRPr/>
+              </a:pPr>
+              <a:t>21</a:t>
+            </a:fld>
+            <a:endParaRPr lang="de-DE" dirty="0"/>
+          </a:p>
+        </p:txBody>
+      </p:sp>
+    </p:spTree>
+  </p:cSld>
+  <p:clrMapOvr>
+    <a:masterClrMapping/>
+  </p:clrMapOvr>
+</p:notes>
+</file>
+
+<file path=ppt/notesSlides/notesSlide22.xml><?xml version="1.0" encoding="utf-8"?>
+<p:notes xmlns:a="http://schemas.openxmlformats.org/drawingml/2006/main" xmlns:r="http://schemas.openxmlformats.org/officeDocument/2006/relationships" xmlns:p="http://schemas.openxmlformats.org/presentationml/2006/main">
+  <p:cSld>
+    <p:spTree>
+      <p:nvGrpSpPr>
+        <p:cNvPr id="1" name=""/>
+        <p:cNvGrpSpPr/>
+        <p:nvPr/>
+      </p:nvGrpSpPr>
+      <p:grpSpPr>
+        <a:xfrm>
+          <a:off x="0" y="0"/>
+          <a:ext cx="0" cy="0"/>
+          <a:chOff x="0" y="0"/>
+          <a:chExt cx="0" cy="0"/>
+        </a:xfrm>
+      </p:grpSpPr>
+      <p:sp>
+        <p:nvSpPr>
+          <p:cNvPr id="2" name="Folienbildplatzhalter 1"/>
+          <p:cNvSpPr>
+            <a:spLocks noGrp="1" noRot="1" noChangeAspect="1"/>
+          </p:cNvSpPr>
+          <p:nvPr>
+            <p:ph type="sldImg"/>
+          </p:nvPr>
+        </p:nvSpPr>
+        <p:spPr/>
+      </p:sp>
+      <p:sp>
+        <p:nvSpPr>
+          <p:cNvPr id="3" name="Notizenplatzhalter 2"/>
+          <p:cNvSpPr>
+            <a:spLocks noGrp="1"/>
+          </p:cNvSpPr>
+          <p:nvPr>
+            <p:ph type="body" idx="1"/>
+          </p:nvPr>
+        </p:nvSpPr>
+        <p:spPr/>
+        <p:txBody>
+          <a:bodyPr>
+            <a:normAutofit/>
+          </a:bodyPr>
+          <a:lstStyle/>
+          <a:p>
+            <a:endParaRPr lang="de-DE" dirty="0"/>
+          </a:p>
+        </p:txBody>
+      </p:sp>
+      <p:sp>
+        <p:nvSpPr>
+          <p:cNvPr id="4" name="Foliennummernplatzhalter 3"/>
+          <p:cNvSpPr>
+            <a:spLocks noGrp="1"/>
+          </p:cNvSpPr>
+          <p:nvPr>
+            <p:ph type="sldNum" idx="10"/>
+          </p:nvPr>
+        </p:nvSpPr>
+        <p:spPr/>
+        <p:txBody>
+          <a:bodyPr/>
+          <a:lstStyle/>
+          <a:p>
+            <a:pPr>
+              <a:defRPr/>
+            </a:pPr>
+            <a:fld id="{E811A358-667D-414F-B600-E957DA09B8F5}" type="slidenum">
+              <a:rPr lang="de-DE" smtClean="0"/>
+              <a:pPr>
+                <a:defRPr/>
+              </a:pPr>
+              <a:t>22</a:t>
+            </a:fld>
+            <a:endParaRPr lang="de-DE" dirty="0"/>
+          </a:p>
+        </p:txBody>
+      </p:sp>
+    </p:spTree>
+  </p:cSld>
+  <p:clrMapOvr>
+    <a:masterClrMapping/>
+  </p:clrMapOvr>
+</p:notes>
+</file>
+
+<file path=ppt/notesSlides/notesSlide23.xml><?xml version="1.0" encoding="utf-8"?>
+<p:notes xmlns:a="http://schemas.openxmlformats.org/drawingml/2006/main" xmlns:r="http://schemas.openxmlformats.org/officeDocument/2006/relationships" xmlns:p="http://schemas.openxmlformats.org/presentationml/2006/main">
+  <p:cSld>
+    <p:spTree>
+      <p:nvGrpSpPr>
+        <p:cNvPr id="1" name=""/>
+        <p:cNvGrpSpPr/>
+        <p:nvPr/>
+      </p:nvGrpSpPr>
+      <p:grpSpPr>
+        <a:xfrm>
+          <a:off x="0" y="0"/>
+          <a:ext cx="0" cy="0"/>
+          <a:chOff x="0" y="0"/>
+          <a:chExt cx="0" cy="0"/>
+        </a:xfrm>
+      </p:grpSpPr>
+      <p:sp>
+        <p:nvSpPr>
+          <p:cNvPr id="2" name="Folienbildplatzhalter 1"/>
+          <p:cNvSpPr>
+            <a:spLocks noGrp="1" noRot="1" noChangeAspect="1"/>
+          </p:cNvSpPr>
+          <p:nvPr>
+            <p:ph type="sldImg"/>
+          </p:nvPr>
+        </p:nvSpPr>
+        <p:spPr/>
+      </p:sp>
+      <p:sp>
+        <p:nvSpPr>
+          <p:cNvPr id="3" name="Notizenplatzhalter 2"/>
+          <p:cNvSpPr>
+            <a:spLocks noGrp="1"/>
+          </p:cNvSpPr>
+          <p:nvPr>
+            <p:ph type="body" idx="1"/>
+          </p:nvPr>
+        </p:nvSpPr>
+        <p:spPr/>
+        <p:txBody>
+          <a:bodyPr>
+            <a:normAutofit/>
+          </a:bodyPr>
+          <a:lstStyle/>
+          <a:p>
+            <a:r>
+              <a:rPr lang="de-DE" dirty="0" smtClean="0"/>
+              <a:t>So sieht das im phpPgAdmin</a:t>
+            </a:r>
+            <a:r>
+              <a:rPr lang="de-DE" baseline="0" dirty="0" smtClean="0"/>
+              <a:t>, was eine Verwaltung von </a:t>
+            </a:r>
+            <a:r>
+              <a:rPr lang="de-DE" baseline="0" dirty="0" err="1" smtClean="0"/>
+              <a:t>postgreSQL</a:t>
+            </a:r>
+            <a:r>
+              <a:rPr lang="de-DE" baseline="0" dirty="0" smtClean="0"/>
+              <a:t> Datenbanken ist. Man kann die Tabellen auch hier bearbeiten, neue Anträge und alles andere machen. Über den SQL-Query geht es aber schneller.</a:t>
+            </a:r>
+            <a:endParaRPr lang="de-DE" dirty="0"/>
+          </a:p>
+        </p:txBody>
+      </p:sp>
+      <p:sp>
+        <p:nvSpPr>
+          <p:cNvPr id="4" name="Foliennummernplatzhalter 3"/>
+          <p:cNvSpPr>
+            <a:spLocks noGrp="1"/>
+          </p:cNvSpPr>
+          <p:nvPr>
+            <p:ph type="sldNum" idx="10"/>
+          </p:nvPr>
+        </p:nvSpPr>
+        <p:spPr/>
+        <p:txBody>
+          <a:bodyPr/>
+          <a:lstStyle/>
+          <a:p>
+            <a:pPr>
+              <a:defRPr/>
+            </a:pPr>
+            <a:fld id="{E811A358-667D-414F-B600-E957DA09B8F5}" type="slidenum">
+              <a:rPr lang="de-DE" smtClean="0"/>
+              <a:pPr>
+                <a:defRPr/>
+              </a:pPr>
+              <a:t>23</a:t>
+            </a:fld>
+            <a:endParaRPr lang="de-DE" dirty="0"/>
+          </a:p>
+        </p:txBody>
+      </p:sp>
+    </p:spTree>
+  </p:cSld>
+  <p:clrMapOvr>
+    <a:masterClrMapping/>
+  </p:clrMapOvr>
+</p:notes>
+</file>
+
+<file path=ppt/notesSlides/notesSlide24.xml><?xml version="1.0" encoding="utf-8"?>
+<p:notes xmlns:a="http://schemas.openxmlformats.org/drawingml/2006/main" xmlns:r="http://schemas.openxmlformats.org/officeDocument/2006/relationships" xmlns:p="http://schemas.openxmlformats.org/presentationml/2006/main">
+  <p:cSld>
+    <p:spTree>
+      <p:nvGrpSpPr>
+        <p:cNvPr id="1" name=""/>
+        <p:cNvGrpSpPr/>
+        <p:nvPr/>
+      </p:nvGrpSpPr>
+      <p:grpSpPr>
+        <a:xfrm>
+          <a:off x="0" y="0"/>
+          <a:ext cx="0" cy="0"/>
+          <a:chOff x="0" y="0"/>
+          <a:chExt cx="0" cy="0"/>
+        </a:xfrm>
+      </p:grpSpPr>
+      <p:sp>
+        <p:nvSpPr>
+          <p:cNvPr id="2" name="Folienbildplatzhalter 1"/>
+          <p:cNvSpPr>
+            <a:spLocks noGrp="1" noRot="1" noChangeAspect="1"/>
+          </p:cNvSpPr>
+          <p:nvPr>
+            <p:ph type="sldImg"/>
+          </p:nvPr>
+        </p:nvSpPr>
+        <p:spPr/>
+      </p:sp>
+      <p:sp>
+        <p:nvSpPr>
+          <p:cNvPr id="3" name="Notizenplatzhalter 2"/>
+          <p:cNvSpPr>
+            <a:spLocks noGrp="1"/>
+          </p:cNvSpPr>
+          <p:nvPr>
+            <p:ph type="body" idx="1"/>
+          </p:nvPr>
+        </p:nvSpPr>
+        <p:spPr/>
+        <p:txBody>
+          <a:bodyPr>
+            <a:normAutofit/>
+          </a:bodyPr>
+          <a:lstStyle/>
+          <a:p>
+            <a:endParaRPr lang="de-DE" dirty="0"/>
+          </a:p>
+        </p:txBody>
+      </p:sp>
+      <p:sp>
+        <p:nvSpPr>
+          <p:cNvPr id="4" name="Foliennummernplatzhalter 3"/>
+          <p:cNvSpPr>
+            <a:spLocks noGrp="1"/>
+          </p:cNvSpPr>
+          <p:nvPr>
+            <p:ph type="sldNum" idx="10"/>
+          </p:nvPr>
+        </p:nvSpPr>
+        <p:spPr/>
+        <p:txBody>
+          <a:bodyPr/>
+          <a:lstStyle/>
+          <a:p>
+            <a:pPr>
+              <a:defRPr/>
+            </a:pPr>
+            <a:fld id="{E811A358-667D-414F-B600-E957DA09B8F5}" type="slidenum">
+              <a:rPr lang="de-DE" smtClean="0"/>
+              <a:pPr>
+                <a:defRPr/>
+              </a:pPr>
+              <a:t>24</a:t>
+            </a:fld>
+            <a:endParaRPr lang="de-DE" dirty="0"/>
+          </a:p>
+        </p:txBody>
+      </p:sp>
+    </p:spTree>
+  </p:cSld>
+  <p:clrMapOvr>
+    <a:masterClrMapping/>
+  </p:clrMapOvr>
+</p:notes>
+</file>
+
+<file path=ppt/notesSlides/notesSlide25.xml><?xml version="1.0" encoding="utf-8"?>
+<p:notes xmlns:a="http://schemas.openxmlformats.org/drawingml/2006/main" xmlns:r="http://schemas.openxmlformats.org/officeDocument/2006/relationships" xmlns:p="http://schemas.openxmlformats.org/presentationml/2006/main">
+  <p:cSld>
+    <p:spTree>
+      <p:nvGrpSpPr>
+        <p:cNvPr id="1" name=""/>
+        <p:cNvGrpSpPr/>
+        <p:nvPr/>
+      </p:nvGrpSpPr>
+      <p:grpSpPr>
+        <a:xfrm>
+          <a:off x="0" y="0"/>
+          <a:ext cx="0" cy="0"/>
+          <a:chOff x="0" y="0"/>
+          <a:chExt cx="0" cy="0"/>
+        </a:xfrm>
+      </p:grpSpPr>
+      <p:sp>
+        <p:nvSpPr>
+          <p:cNvPr id="2" name="Folienbildplatzhalter 1"/>
+          <p:cNvSpPr>
+            <a:spLocks noGrp="1" noRot="1" noChangeAspect="1"/>
+          </p:cNvSpPr>
+          <p:nvPr>
+            <p:ph type="sldImg"/>
+          </p:nvPr>
+        </p:nvSpPr>
+        <p:spPr/>
+      </p:sp>
+      <p:sp>
+        <p:nvSpPr>
+          <p:cNvPr id="3" name="Notizenplatzhalter 2"/>
+          <p:cNvSpPr>
+            <a:spLocks noGrp="1"/>
+          </p:cNvSpPr>
+          <p:nvPr>
+            <p:ph type="body" idx="1"/>
+          </p:nvPr>
+        </p:nvSpPr>
+        <p:spPr/>
+        <p:txBody>
+          <a:bodyPr>
+            <a:normAutofit/>
+          </a:bodyPr>
+          <a:lstStyle/>
+          <a:p>
+            <a:r>
+              <a:rPr lang="de-DE" dirty="0" smtClean="0"/>
+              <a:t>Jetzt</a:t>
+            </a:r>
+            <a:r>
+              <a:rPr lang="de-DE" baseline="0" dirty="0" smtClean="0"/>
+              <a:t> zeige ich euch die Website Online – paar Daten habe ich schon auch visualisiert.</a:t>
+            </a:r>
+            <a:endParaRPr lang="de-DE" dirty="0"/>
+          </a:p>
+        </p:txBody>
+      </p:sp>
+      <p:sp>
+        <p:nvSpPr>
+          <p:cNvPr id="4" name="Foliennummernplatzhalter 3"/>
+          <p:cNvSpPr>
+            <a:spLocks noGrp="1"/>
+          </p:cNvSpPr>
+          <p:nvPr>
+            <p:ph type="sldNum" idx="10"/>
+          </p:nvPr>
+        </p:nvSpPr>
+        <p:spPr/>
+        <p:txBody>
+          <a:bodyPr/>
+          <a:lstStyle/>
+          <a:p>
+            <a:pPr>
+              <a:defRPr/>
+            </a:pPr>
+            <a:fld id="{E811A358-667D-414F-B600-E957DA09B8F5}" type="slidenum">
+              <a:rPr lang="de-DE" smtClean="0"/>
+              <a:pPr>
+                <a:defRPr/>
+              </a:pPr>
+              <a:t>25</a:t>
+            </a:fld>
+            <a:endParaRPr lang="de-DE" dirty="0"/>
+          </a:p>
+        </p:txBody>
+      </p:sp>
+    </p:spTree>
+  </p:cSld>
+  <p:clrMapOvr>
+    <a:masterClrMapping/>
+  </p:clrMapOvr>
+</p:notes>
+</file>
+
+<file path=ppt/notesSlides/notesSlide26.xml><?xml version="1.0" encoding="utf-8"?>
+<p:notes xmlns:a="http://schemas.openxmlformats.org/drawingml/2006/main" xmlns:r="http://schemas.openxmlformats.org/officeDocument/2006/relationships" xmlns:p="http://schemas.openxmlformats.org/presentationml/2006/main">
+  <p:cSld>
+    <p:spTree>
+      <p:nvGrpSpPr>
+        <p:cNvPr id="1" name=""/>
+        <p:cNvGrpSpPr/>
+        <p:nvPr/>
+      </p:nvGrpSpPr>
+      <p:grpSpPr>
+        <a:xfrm>
+          <a:off x="0" y="0"/>
+          <a:ext cx="0" cy="0"/>
+          <a:chOff x="0" y="0"/>
+          <a:chExt cx="0" cy="0"/>
+        </a:xfrm>
+      </p:grpSpPr>
+      <p:sp>
+        <p:nvSpPr>
           <p:cNvPr id="102402" name="Rectangle 7"/>
           <p:cNvSpPr>
             <a:spLocks noGrp="1" noChangeArrowheads="1"/>
@@ -2308,7 +2905,7 @@
                 <a:buFont typeface="Times New Roman" pitchFamily="18" charset="0"/>
                 <a:buNone/>
               </a:pPr>
-              <a:t>25</a:t>
+              <a:t>26</a:t>
             </a:fld>
             <a:endParaRPr lang="en-US" dirty="0" smtClean="0">
               <a:ea typeface="Lucida Sans Unicode" pitchFamily="34" charset="0"/>
@@ -2410,55 +3007,7 @@
           </a:bodyPr>
           <a:lstStyle/>
           <a:p>
-            <a:pPr marL="228600" indent="-228600">
-              <a:buAutoNum type="arabicPeriod"/>
-            </a:pPr>
-            <a:r>
-              <a:rPr lang="de-DE" dirty="0" smtClean="0"/>
-              <a:t>Erste Konzepte</a:t>
-            </a:r>
-            <a:r>
-              <a:rPr lang="de-DE" baseline="0" dirty="0" smtClean="0"/>
-              <a:t> zeigen, was ich gezeichnet habe.</a:t>
-            </a:r>
-          </a:p>
-          <a:p>
-            <a:pPr marL="228600" indent="-228600">
-              <a:buAutoNum type="arabicPeriod"/>
-            </a:pPr>
-            <a:r>
-              <a:rPr lang="de-DE" baseline="0" dirty="0" smtClean="0"/>
-              <a:t>Wie die Website entwickelt wurde und welche Sprachen wurden benutzt.</a:t>
-            </a:r>
-          </a:p>
-          <a:p>
-            <a:pPr marL="228600" indent="-228600">
-              <a:buAutoNum type="arabicPeriod"/>
-            </a:pPr>
-            <a:r>
-              <a:rPr lang="de-DE" baseline="0" dirty="0" smtClean="0"/>
-              <a:t>Wie wurden die Test-Daten visualisiert. Mit welche Mitteln?</a:t>
-            </a:r>
-          </a:p>
-          <a:p>
-            <a:pPr marL="228600" indent="-228600">
-              <a:buAutoNum type="arabicPeriod"/>
-            </a:pPr>
-            <a:r>
-              <a:rPr lang="de-DE" baseline="0" dirty="0" smtClean="0"/>
-              <a:t>Meta-Datenbank </a:t>
-            </a:r>
-            <a:r>
-              <a:rPr lang="de-DE" baseline="0" dirty="0" smtClean="0"/>
-              <a:t>konzipiert</a:t>
-            </a:r>
-            <a:endParaRPr lang="de-DE" baseline="0" dirty="0" smtClean="0"/>
-          </a:p>
-          <a:p>
-            <a:pPr marL="228600" indent="-228600">
-              <a:buAutoNum type="arabicPeriod"/>
-            </a:pPr>
-            <a:endParaRPr lang="de-DE" dirty="0"/>
+            <a:endParaRPr lang="de-DE"/>
           </a:p>
         </p:txBody>
       </p:sp>
@@ -2485,7 +3034,7 @@
               <a:pPr>
                 <a:defRPr/>
               </a:pPr>
-              <a:t>4</a:t>
+              <a:t>3</a:t>
             </a:fld>
             <a:endParaRPr lang="de-DE" dirty="0"/>
           </a:p>
@@ -2545,21 +3094,61 @@
           </a:bodyPr>
           <a:lstStyle/>
           <a:p>
+            <a:pPr marL="228600" indent="-228600">
+              <a:buAutoNum type="arabicPeriod"/>
+            </a:pPr>
             <a:r>
               <a:rPr lang="de-DE" dirty="0" smtClean="0"/>
-              <a:t>Die Entwurfe</a:t>
+              <a:t>Erste Konzepte</a:t>
             </a:r>
             <a:r>
               <a:rPr lang="de-DE" baseline="0" dirty="0" smtClean="0"/>
-              <a:t> waren in GIMP oder auf dem Papier gemacht. Meine Aufgabe war erstens Konzepte für das zukünftige Layout der Website erstellen. Es ist wichtig, weil man eine grobe Vorstellung von der Seite braucht. Sonst kann man nicht </a:t>
-            </a:r>
+              <a:t> zeigen, was ich gezeichnet habe.</a:t>
+            </a:r>
+          </a:p>
+          <a:p>
+            <a:pPr marL="228600" indent="-228600">
+              <a:buAutoNum type="arabicPeriod"/>
+            </a:pPr>
             <a:r>
               <a:rPr lang="de-DE" baseline="0" dirty="0" smtClean="0"/>
-              <a:t>wirklich mit  programmieren anfangen. Die </a:t>
-            </a:r>
+              <a:t>Wie die Website entwickelt wurde und welche Sprachen wurden benutzt.</a:t>
+            </a:r>
+          </a:p>
+          <a:p>
+            <a:pPr marL="228600" indent="-228600">
+              <a:buAutoNum type="arabicPeriod"/>
+            </a:pPr>
             <a:r>
               <a:rPr lang="de-DE" baseline="0" dirty="0" smtClean="0"/>
-              <a:t>Start Seite mit dem Login und Auswahl-Listen wurden als erstes konzipiert. </a:t>
+              <a:t>Wie wurden die Test-Daten visualisiert. Mit welche Mitteln?</a:t>
+            </a:r>
+          </a:p>
+          <a:p>
+            <a:pPr marL="228600" indent="-228600">
+              <a:buAutoNum type="arabicPeriod"/>
+            </a:pPr>
+            <a:r>
+              <a:rPr lang="de-DE" baseline="0" dirty="0" smtClean="0"/>
+              <a:t>Meta-Datenbank konzipiert</a:t>
+            </a:r>
+          </a:p>
+          <a:p>
+            <a:pPr marL="228600" indent="-228600">
+              <a:buAutoNum type="arabicPeriod"/>
+            </a:pPr>
+            <a:r>
+              <a:rPr lang="de-DE" dirty="0" smtClean="0"/>
+              <a:t>PHP</a:t>
+            </a:r>
+          </a:p>
+          <a:p>
+            <a:pPr marL="228600" indent="-228600">
+              <a:buAutoNum type="arabicPeriod"/>
+            </a:pPr>
+            <a:r>
+              <a:rPr lang="de-DE" dirty="0" err="1" smtClean="0"/>
+              <a:t>Ergebniss</a:t>
             </a:r>
             <a:endParaRPr lang="de-DE" dirty="0"/>
           </a:p>
@@ -2588,7 +3177,7 @@
               <a:pPr>
                 <a:defRPr/>
               </a:pPr>
-              <a:t>5</a:t>
+              <a:t>4</a:t>
             </a:fld>
             <a:endParaRPr lang="de-DE" dirty="0"/>
           </a:p>
@@ -2649,8 +3238,12 @@
           <a:lstStyle/>
           <a:p>
             <a:r>
+              <a:rPr lang="de-DE" dirty="0" smtClean="0"/>
+              <a:t>Die Entwurfe</a:t>
+            </a:r>
+            <a:r>
               <a:rPr lang="de-DE" baseline="0" dirty="0" smtClean="0"/>
-              <a:t>Entworfen war die Login-Seite, das ist auch die erste Seite auf den man ankommt, das heißt, dass die einen guten, klassischen und minimalistischen Layout haben muss. Alles was wir hier brauchen ist Logo, zwei Platzhalter für Benutzername und Kennwort, das kleine Box mit ‚Merken‘-Möglichkeit und das Anmeldung-Knopf.</a:t>
+              <a:t> waren in GIMP oder auf dem Papier gemacht. Meine Aufgabe war erstens Konzepte für das zukünftige Layout der Website erstellen. Es ist wichtig, weil man eine grobe Vorstellung von der Seite braucht. Sonst kann man nicht wirklich mit  programmieren anfangen. Die Start Seite mit dem Login und Auswahl-Listen wurden als erstes konzipiert. </a:t>
             </a:r>
             <a:endParaRPr lang="de-DE" dirty="0"/>
           </a:p>
@@ -2679,7 +3272,7 @@
               <a:pPr>
                 <a:defRPr/>
               </a:pPr>
-              <a:t>6</a:t>
+              <a:t>5</a:t>
             </a:fld>
             <a:endParaRPr lang="de-DE" dirty="0"/>
           </a:p>
@@ -2740,12 +3333,8 @@
           <a:lstStyle/>
           <a:p>
             <a:r>
-              <a:rPr lang="de-DE" dirty="0" smtClean="0"/>
-              <a:t>Das war alle erste Konzept</a:t>
-            </a:r>
-            <a:r>
               <a:rPr lang="de-DE" baseline="0" dirty="0" smtClean="0"/>
-              <a:t>, wo ich alle Kraftwerke nebeneinander darstellen möchte – das war nicht möglich, weil es gibt sehr viele Kraftwerken und sehr viele Daten. Dazu muss die Website später auch dynamisch funktionieren. </a:t>
+              <a:t>Entworfen war die Login-Seite, das ist auch die erste Seite auf den man ankommt, das heißt, dass die einen guten, klassischen und minimalistischen Layout haben muss. Alles was wir hier brauchen ist Logo, zwei Platzhalter für Benutzername und Kennwort, das kleine Box mit ‚Merken‘-Möglichkeit und das Anmeldung-Knopf.</a:t>
             </a:r>
             <a:endParaRPr lang="de-DE" dirty="0"/>
           </a:p>
@@ -2774,7 +3363,7 @@
               <a:pPr>
                 <a:defRPr/>
               </a:pPr>
-              <a:t>7</a:t>
+              <a:t>6</a:t>
             </a:fld>
             <a:endParaRPr lang="de-DE" dirty="0"/>
           </a:p>
@@ -2836,28 +3425,13 @@
           <a:p>
             <a:r>
               <a:rPr lang="de-DE" dirty="0" smtClean="0"/>
-              <a:t>Dieses ist mein zweites</a:t>
+              <a:t>Das war alle erste Konzept</a:t>
             </a:r>
             <a:r>
               <a:rPr lang="de-DE" baseline="0" dirty="0" smtClean="0"/>
-              <a:t> Konzept für die Auswahl-Liste</a:t>
-            </a:r>
-            <a:r>
-              <a:rPr lang="de-DE" dirty="0" smtClean="0"/>
-              <a:t>,</a:t>
-            </a:r>
-            <a:r>
-              <a:rPr lang="de-DE" baseline="0" dirty="0" smtClean="0"/>
-              <a:t> wo </a:t>
-            </a:r>
-            <a:r>
-              <a:rPr lang="de-DE" dirty="0" smtClean="0"/>
-              <a:t>Kontinente</a:t>
-            </a:r>
-            <a:r>
-              <a:rPr lang="de-DE" baseline="0" dirty="0" smtClean="0"/>
-              <a:t>, Länder, Kraftwerken stehen  – Meine Idee war, das beim Anklicken die Tabelle sich nach unten öffnet. Zum Beispiel ich klicke auf Europa, dann Deutschland, was hier fehlt, dann die Kraftwerk auswählen. </a:t>
-            </a:r>
+              <a:t>, wo ich alle Kraftwerke nebeneinander darstellen möchte – das war nicht möglich, weil es gibt sehr viele Kraftwerken und sehr viele Daten. Dazu muss die Website später auch dynamisch funktionieren. </a:t>
+            </a:r>
+            <a:endParaRPr lang="de-DE" dirty="0"/>
           </a:p>
         </p:txBody>
       </p:sp>
@@ -2884,7 +3458,7 @@
               <a:pPr>
                 <a:defRPr/>
               </a:pPr>
-              <a:t>8</a:t>
+              <a:t>7</a:t>
             </a:fld>
             <a:endParaRPr lang="de-DE" dirty="0"/>
           </a:p>
@@ -2946,79 +3520,28 @@
           <a:p>
             <a:r>
               <a:rPr lang="de-DE" dirty="0" smtClean="0"/>
-              <a:t>Ich habe viele</a:t>
+              <a:t>Dieses ist mein zweites</a:t>
             </a:r>
             <a:r>
               <a:rPr lang="de-DE" baseline="0" dirty="0" smtClean="0"/>
-              <a:t> Website Sprachen benutzt, das wichtigste ist HTML – mit HTML kann man die Seite bauen, dann mit CSS ist Layout und Design konfiguriert und letztens JavaScript, welches die Seite dynamisch macht. Die 3 sind sozusagen die Basis jedes Website.</a:t>
-            </a:r>
-          </a:p>
-          <a:p>
+              <a:t> Konzept für die Auswahl-Liste</a:t>
+            </a:r>
+            <a:r>
+              <a:rPr lang="de-DE" dirty="0" smtClean="0"/>
+              <a:t>,</a:t>
+            </a:r>
             <a:r>
               <a:rPr lang="de-DE" baseline="0" dirty="0" smtClean="0"/>
-              <a:t>Mit diese Sprachen habe ich die vorher gezeigte Konzepte umgesetzt. Die Seiten habe ich mit dem Editor Sublime Text 2 geschrieben. Dann die Teste von das geschriebene Quellcode erfolgen im Browsers. Ich muss es immer im mehrere Browser Testen damit ich weiß das es überall kompatibel ist.</a:t>
-            </a:r>
-          </a:p>
-          <a:p>
+              <a:t> wo </a:t>
+            </a:r>
+            <a:r>
+              <a:rPr lang="de-DE" dirty="0" smtClean="0"/>
+              <a:t>Kontinente</a:t>
+            </a:r>
             <a:r>
               <a:rPr lang="de-DE" baseline="0" dirty="0" smtClean="0"/>
-              <a:t>Es war abgesprochen das ich Bootstrap benutzen soll. Bootstrap dient als CSS für die ganze Seite, es hat bereits Klassen erstellt, welche die HTML Elementen beeinflussen, dass heißt, wenn ich zum Beispiel die Benutzer-Leiste oben fixieren möchte, muss ich schreiben: &lt;</a:t>
-            </a:r>
-            <a:r>
-              <a:rPr lang="de-DE" baseline="0" dirty="0" err="1" smtClean="0"/>
-              <a:t>nav</a:t>
-            </a:r>
-            <a:r>
-              <a:rPr lang="de-DE" baseline="0" dirty="0" smtClean="0"/>
-              <a:t> </a:t>
-            </a:r>
-            <a:r>
-              <a:rPr lang="de-DE" baseline="0" dirty="0" err="1" smtClean="0"/>
-              <a:t>class</a:t>
-            </a:r>
-            <a:r>
-              <a:rPr lang="de-DE" baseline="0" dirty="0" smtClean="0"/>
-              <a:t>=„</a:t>
-            </a:r>
-            <a:r>
-              <a:rPr lang="de-DE" baseline="0" dirty="0" err="1" smtClean="0"/>
-              <a:t>navbar</a:t>
-            </a:r>
-            <a:r>
-              <a:rPr lang="de-DE" baseline="0" dirty="0" smtClean="0"/>
-              <a:t>-</a:t>
-            </a:r>
-            <a:r>
-              <a:rPr lang="de-DE" baseline="0" dirty="0" err="1" smtClean="0"/>
-              <a:t>fixed</a:t>
-            </a:r>
-            <a:r>
-              <a:rPr lang="de-DE" baseline="0" dirty="0" smtClean="0"/>
-              <a:t>-top </a:t>
-            </a:r>
-            <a:r>
-              <a:rPr lang="de-DE" baseline="0" dirty="0" err="1" smtClean="0"/>
-              <a:t>navbar-default</a:t>
-            </a:r>
-            <a:r>
-              <a:rPr lang="de-DE" baseline="0" dirty="0" smtClean="0"/>
-              <a:t>“&gt; </a:t>
-            </a:r>
-          </a:p>
-          <a:p>
-            <a:r>
-              <a:rPr lang="de-DE" baseline="0" dirty="0" smtClean="0"/>
-              <a:t>Die jQuery ist eine Vereinfachung von </a:t>
-            </a:r>
-            <a:r>
-              <a:rPr lang="de-DE" baseline="0" dirty="0" err="1" smtClean="0"/>
-              <a:t>Javascript</a:t>
-            </a:r>
-            <a:r>
-              <a:rPr lang="de-DE" baseline="0" dirty="0" smtClean="0"/>
-              <a:t>. Es kann besser mit Manipulation mit dynamische Daten umgehen. Einen Beispiel dafür werde ich noch zeigen.</a:t>
-            </a:r>
-            <a:endParaRPr lang="de-DE" dirty="0"/>
+              <a:t>, Länder, Kraftwerken stehen  – Meine Idee war, das beim Anklicken die Tabelle sich nach unten öffnet. Zum Beispiel ich klicke auf Europa, dann Deutschland, was hier fehlt, dann die Kraftwerk auswählen. </a:t>
+            </a:r>
           </a:p>
         </p:txBody>
       </p:sp>
@@ -3045,7 +3568,7 @@
               <a:pPr>
                 <a:defRPr/>
               </a:pPr>
-              <a:t>9</a:t>
+              <a:t>8</a:t>
             </a:fld>
             <a:endParaRPr lang="de-DE" dirty="0"/>
           </a:p>
@@ -3206,7 +3729,7 @@
               <a:pPr>
                 <a:defRPr/>
               </a:pPr>
-              <a:t>10</a:t>
+              <a:t>9</a:t>
             </a:fld>
             <a:endParaRPr lang="de-DE" dirty="0"/>
           </a:p>
@@ -5201,7 +5724,7 @@
           <a:p>
             <a:r>
               <a:rPr lang="de-DE" dirty="0" smtClean="0"/>
-              <a:t>Umsetzung</a:t>
+              <a:t>2.1 Umsetzung</a:t>
             </a:r>
             <a:endParaRPr lang="de-DE" dirty="0"/>
           </a:p>
@@ -5590,7 +6113,7 @@
           <a:p>
             <a:r>
               <a:rPr lang="de-DE" dirty="0" smtClean="0"/>
-              <a:t>Umsetzung</a:t>
+              <a:t>2.1 Umsetzung</a:t>
             </a:r>
             <a:endParaRPr lang="de-DE" dirty="0"/>
           </a:p>
@@ -5918,7 +6441,11 @@
             <a:pPr lvl="2"/>
             <a:r>
               <a:rPr lang="de-DE" kern="0" dirty="0" smtClean="0"/>
-              <a:t> Erweitertes Event-System, Animationen und Effekte</a:t>
+              <a:t>Animationen </a:t>
+            </a:r>
+            <a:r>
+              <a:rPr lang="de-DE" kern="0" dirty="0" smtClean="0"/>
+              <a:t>und Effekte</a:t>
             </a:r>
           </a:p>
           <a:p>
@@ -6131,7 +6658,7 @@
           </p:nvPr>
         </p:nvPicPr>
         <p:blipFill>
-          <a:blip r:embed="rId2" cstate="print"/>
+          <a:blip r:embed="rId3" cstate="print"/>
           <a:srcRect/>
           <a:stretch>
             <a:fillRect/>
@@ -6212,7 +6739,7 @@
           <a:p>
             <a:r>
               <a:rPr lang="de-DE" dirty="0" smtClean="0"/>
-              <a:t>Umsetzung</a:t>
+              <a:t>2.1 Umsetzung</a:t>
             </a:r>
             <a:endParaRPr lang="de-DE" dirty="0"/>
           </a:p>
@@ -6267,36 +6794,16 @@
           <a:p>
             <a:r>
               <a:rPr lang="de-DE" dirty="0" smtClean="0"/>
-              <a:t>Umsetzung (HTML)</a:t>
+              <a:t>2.1 Umsetzung </a:t>
+            </a:r>
+            <a:r>
+              <a:rPr lang="de-DE" dirty="0" smtClean="0"/>
+              <a:t>(HTML)</a:t>
             </a:r>
             <a:endParaRPr lang="de-DE" dirty="0"/>
           </a:p>
         </p:txBody>
       </p:sp>
-      <p:pic>
-        <p:nvPicPr>
-          <p:cNvPr id="5" name="Inhaltsplatzhalter 4" descr="HTML_Head_login.png"/>
-          <p:cNvPicPr>
-            <a:picLocks noGrp="1" noChangeAspect="1"/>
-          </p:cNvPicPr>
-          <p:nvPr>
-            <p:ph idx="1"/>
-          </p:nvPr>
-        </p:nvPicPr>
-        <p:blipFill>
-          <a:blip r:embed="rId2" cstate="print"/>
-          <a:srcRect t="2817"/>
-          <a:stretch>
-            <a:fillRect/>
-          </a:stretch>
-        </p:blipFill>
-        <p:spPr>
-          <a:xfrm>
-            <a:off x="899592" y="1412776"/>
-            <a:ext cx="7800318" cy="4968552"/>
-          </a:xfrm>
-        </p:spPr>
-      </p:pic>
       <p:sp>
         <p:nvSpPr>
           <p:cNvPr id="4" name="Rechteck 3"/>
@@ -6354,6 +6861,40 @@
           </a:p>
         </p:txBody>
       </p:sp>
+      <p:pic>
+        <p:nvPicPr>
+          <p:cNvPr id="7" name="Inhaltsplatzhalter 6" descr="HTML_Head_login.png"/>
+          <p:cNvPicPr>
+            <a:picLocks noGrp="1" noChangeAspect="1"/>
+          </p:cNvPicPr>
+          <p:nvPr>
+            <p:ph idx="1"/>
+          </p:nvPr>
+        </p:nvPicPr>
+        <p:blipFill>
+          <a:blip r:embed="rId3" cstate="print"/>
+          <a:srcRect r="21243"/>
+          <a:stretch>
+            <a:fillRect/>
+          </a:stretch>
+        </p:blipFill>
+        <p:spPr>
+          <a:xfrm>
+            <a:off x="827584" y="1412776"/>
+            <a:ext cx="6918657" cy="4968552"/>
+          </a:xfrm>
+          <a:prstGeom prst="rect">
+            <a:avLst/>
+          </a:prstGeom>
+          <a:ln>
+            <a:solidFill>
+              <a:schemeClr val="bg1">
+                <a:lumMod val="85000"/>
+              </a:schemeClr>
+            </a:solidFill>
+          </a:ln>
+        </p:spPr>
+      </p:pic>
     </p:spTree>
   </p:cSld>
   <p:clrMapOvr>
@@ -6403,35 +6944,16 @@
           <a:p>
             <a:r>
               <a:rPr lang="de-DE" dirty="0" smtClean="0"/>
-              <a:t>Umsetzung (HTML)</a:t>
+              <a:t>2.1 Umsetzung </a:t>
+            </a:r>
+            <a:r>
+              <a:rPr lang="de-DE" dirty="0" smtClean="0"/>
+              <a:t>(HTML)</a:t>
             </a:r>
             <a:endParaRPr lang="de-DE" dirty="0"/>
           </a:p>
         </p:txBody>
       </p:sp>
-      <p:pic>
-        <p:nvPicPr>
-          <p:cNvPr id="5" name="Inhaltsplatzhalter 4" descr="HTML_body_login.png"/>
-          <p:cNvPicPr>
-            <a:picLocks noGrp="1" noChangeAspect="1"/>
-          </p:cNvPicPr>
-          <p:nvPr>
-            <p:ph idx="1"/>
-          </p:nvPr>
-        </p:nvPicPr>
-        <p:blipFill>
-          <a:blip r:embed="rId3" cstate="print"/>
-          <a:stretch>
-            <a:fillRect/>
-          </a:stretch>
-        </p:blipFill>
-        <p:spPr>
-          <a:xfrm>
-            <a:off x="827584" y="1412776"/>
-            <a:ext cx="7776864" cy="4975956"/>
-          </a:xfrm>
-        </p:spPr>
-      </p:pic>
       <p:sp>
         <p:nvSpPr>
           <p:cNvPr id="4" name="Rechteck 3"/>
@@ -6489,6 +7011,36 @@
           </a:p>
         </p:txBody>
       </p:sp>
+      <p:pic>
+        <p:nvPicPr>
+          <p:cNvPr id="7" name="Inhaltsplatzhalter 6" descr="HTML_body_login.png"/>
+          <p:cNvPicPr>
+            <a:picLocks noGrp="1" noChangeAspect="1"/>
+          </p:cNvPicPr>
+          <p:nvPr>
+            <p:ph idx="1"/>
+          </p:nvPr>
+        </p:nvPicPr>
+        <p:blipFill>
+          <a:blip r:embed="rId3" cstate="print"/>
+          <a:stretch>
+            <a:fillRect/>
+          </a:stretch>
+        </p:blipFill>
+        <p:spPr>
+          <a:xfrm>
+            <a:off x="539552" y="1412776"/>
+            <a:ext cx="8463789" cy="4752528"/>
+          </a:xfrm>
+          <a:ln>
+            <a:solidFill>
+              <a:schemeClr val="bg1">
+                <a:lumMod val="85000"/>
+              </a:schemeClr>
+            </a:solidFill>
+          </a:ln>
+        </p:spPr>
+      </p:pic>
     </p:spTree>
   </p:cSld>
   <p:clrMapOvr>
@@ -6522,38 +7074,6 @@
           <a:chExt cx="0" cy="0"/>
         </a:xfrm>
       </p:grpSpPr>
-      <p:pic>
-        <p:nvPicPr>
-          <p:cNvPr id="5123" name="Picture 3"/>
-          <p:cNvPicPr>
-            <a:picLocks noChangeAspect="1" noChangeArrowheads="1"/>
-          </p:cNvPicPr>
-          <p:nvPr/>
-        </p:nvPicPr>
-        <p:blipFill>
-          <a:blip r:embed="rId3" cstate="print"/>
-          <a:srcRect/>
-          <a:stretch>
-            <a:fillRect/>
-          </a:stretch>
-        </p:blipFill>
-        <p:spPr bwMode="auto">
-          <a:xfrm>
-            <a:off x="5940152" y="2348880"/>
-            <a:ext cx="2800350" cy="2714625"/>
-          </a:xfrm>
-          <a:prstGeom prst="rect">
-            <a:avLst/>
-          </a:prstGeom>
-          <a:noFill/>
-          <a:ln w="9525">
-            <a:noFill/>
-            <a:miter lim="800000"/>
-            <a:headEnd/>
-            <a:tailEnd/>
-          </a:ln>
-        </p:spPr>
-      </p:pic>
       <p:sp>
         <p:nvSpPr>
           <p:cNvPr id="2" name="Titel 1"/>
@@ -6571,370 +7091,11 @@
           <a:p>
             <a:r>
               <a:rPr lang="de-DE" dirty="0" smtClean="0"/>
-              <a:t>Website - Konzept V1</a:t>
-            </a:r>
-            <a:endParaRPr lang="de-DE" dirty="0"/>
-          </a:p>
-        </p:txBody>
-      </p:sp>
-      <p:pic>
-        <p:nvPicPr>
-          <p:cNvPr id="5122" name="Picture 2"/>
-          <p:cNvPicPr>
-            <a:picLocks noGrp="1" noChangeAspect="1" noChangeArrowheads="1"/>
-          </p:cNvPicPr>
-          <p:nvPr>
-            <p:ph idx="1"/>
-          </p:nvPr>
-        </p:nvPicPr>
-        <p:blipFill>
-          <a:blip r:embed="rId4" cstate="print"/>
-          <a:srcRect/>
-          <a:stretch>
-            <a:fillRect/>
-          </a:stretch>
-        </p:blipFill>
-        <p:spPr bwMode="auto">
-          <a:xfrm>
-            <a:off x="636488" y="2924944"/>
-            <a:ext cx="6367120" cy="2736304"/>
-          </a:xfrm>
-          <a:prstGeom prst="rect">
-            <a:avLst/>
-          </a:prstGeom>
-          <a:noFill/>
-          <a:ln w="9525">
-            <a:noFill/>
-            <a:miter lim="800000"/>
-            <a:headEnd/>
-            <a:tailEnd/>
-          </a:ln>
-        </p:spPr>
-      </p:pic>
-      <p:sp>
-        <p:nvSpPr>
-          <p:cNvPr id="6" name="Rechteck 5"/>
-          <p:cNvSpPr/>
-          <p:nvPr/>
-        </p:nvSpPr>
-        <p:spPr>
-          <a:xfrm>
-            <a:off x="827584" y="980728"/>
-            <a:ext cx="4086503" cy="369332"/>
-          </a:xfrm>
-          <a:prstGeom prst="rect">
-            <a:avLst/>
-          </a:prstGeom>
-        </p:spPr>
-        <p:txBody>
-          <a:bodyPr wrap="none">
-            <a:spAutoFit/>
-          </a:bodyPr>
-          <a:lstStyle/>
-          <a:p>
-            <a:pPr>
-              <a:buFont typeface="Arial" pitchFamily="34" charset="0"/>
-              <a:buChar char="•"/>
-            </a:pPr>
-            <a:r>
-              <a:rPr lang="de-DE" dirty="0" smtClean="0">
-                <a:solidFill>
-                  <a:schemeClr val="tx1"/>
-                </a:solidFill>
-              </a:rPr>
-              <a:t> Auswahl-Liste – Beispiel mit Amerika</a:t>
-            </a:r>
-            <a:endParaRPr lang="de-DE" dirty="0">
-              <a:solidFill>
-                <a:schemeClr val="tx1"/>
-              </a:solidFill>
-            </a:endParaRPr>
-          </a:p>
-        </p:txBody>
-      </p:sp>
-      <p:sp>
-        <p:nvSpPr>
-          <p:cNvPr id="7" name="Rechteck 6"/>
-          <p:cNvSpPr/>
-          <p:nvPr/>
-        </p:nvSpPr>
-        <p:spPr>
-          <a:xfrm>
-            <a:off x="2555776" y="1700808"/>
-            <a:ext cx="3024336" cy="430887"/>
-          </a:xfrm>
-          <a:prstGeom prst="rect">
-            <a:avLst/>
-          </a:prstGeom>
-          <a:solidFill>
-            <a:schemeClr val="accent3"/>
-          </a:solidFill>
-          <a:ln w="9525">
-            <a:solidFill>
-              <a:srgbClr val="00B050"/>
-            </a:solidFill>
-            <a:round/>
-            <a:headEnd/>
-            <a:tailEnd/>
-          </a:ln>
-        </p:spPr>
-        <p:txBody>
-          <a:bodyPr wrap="square" lIns="0" tIns="0" rIns="0" bIns="0" rtlCol="0">
-            <a:spAutoFit/>
-          </a:bodyPr>
-          <a:lstStyle/>
-          <a:p>
-            <a:pPr indent="-342900">
-              <a:lnSpc>
-                <a:spcPct val="140000"/>
-              </a:lnSpc>
-              <a:buClr>
-                <a:srgbClr val="000000"/>
-              </a:buClr>
-              <a:buSzPct val="100000"/>
-            </a:pPr>
-            <a:r>
-              <a:rPr lang="de-DE" sz="2000" kern="0" dirty="0" smtClean="0">
-                <a:solidFill>
-                  <a:schemeClr val="tx1"/>
-                </a:solidFill>
-                <a:latin typeface="Calibri" pitchFamily="34" charset="0"/>
-                <a:cs typeface="+mn-cs"/>
-              </a:rPr>
-              <a:t> Breite über Bootstrap Klasse</a:t>
-            </a:r>
-          </a:p>
-        </p:txBody>
-      </p:sp>
-      <p:cxnSp>
-        <p:nvCxnSpPr>
-          <p:cNvPr id="9" name="Gekrümmte Verbindung 8"/>
-          <p:cNvCxnSpPr/>
-          <p:nvPr/>
-        </p:nvCxnSpPr>
-        <p:spPr bwMode="auto">
-          <a:xfrm rot="5400000" flipH="1" flipV="1">
-            <a:off x="2627784" y="2276872"/>
-            <a:ext cx="1080120" cy="792088"/>
-          </a:xfrm>
-          <a:prstGeom prst="curvedConnector3">
-            <a:avLst>
-              <a:gd name="adj1" fmla="val 1998"/>
-            </a:avLst>
-          </a:prstGeom>
-          <a:solidFill>
-            <a:srgbClr val="00B8FF"/>
-          </a:solidFill>
-          <a:ln w="9525" cap="flat" cmpd="sng" algn="ctr">
-            <a:solidFill>
-              <a:schemeClr val="tx1"/>
-            </a:solidFill>
-            <a:prstDash val="solid"/>
-            <a:round/>
-            <a:headEnd type="none" w="med" len="med"/>
-            <a:tailEnd type="arrow"/>
-          </a:ln>
-          <a:effectLst/>
-        </p:spPr>
-      </p:cxnSp>
-      <p:sp>
-        <p:nvSpPr>
-          <p:cNvPr id="21" name="Freihandform 20"/>
-          <p:cNvSpPr/>
-          <p:nvPr/>
-        </p:nvSpPr>
-        <p:spPr bwMode="auto">
-          <a:xfrm rot="21421150">
-            <a:off x="3604707" y="2215720"/>
-            <a:ext cx="3229998" cy="1653944"/>
-          </a:xfrm>
-          <a:custGeom>
-            <a:avLst/>
-            <a:gdLst>
-              <a:gd name="connsiteX0" fmla="*/ 748145 w 3252355"/>
-              <a:gd name="connsiteY0" fmla="*/ 1298863 h 1504949"/>
-              <a:gd name="connsiteX1" fmla="*/ 3127664 w 3252355"/>
-              <a:gd name="connsiteY1" fmla="*/ 1288472 h 1504949"/>
-              <a:gd name="connsiteX2" fmla="*/ 0 w 3252355"/>
-              <a:gd name="connsiteY2" fmla="*/ 0 h 1504949"/>
-            </a:gdLst>
-            <a:ahLst/>
-            <a:cxnLst>
-              <a:cxn ang="0">
-                <a:pos x="connsiteX0" y="connsiteY0"/>
-              </a:cxn>
-              <a:cxn ang="0">
-                <a:pos x="connsiteX1" y="connsiteY1"/>
-              </a:cxn>
-              <a:cxn ang="0">
-                <a:pos x="connsiteX2" y="connsiteY2"/>
-              </a:cxn>
-            </a:cxnLst>
-            <a:rect l="l" t="t" r="r" b="b"/>
-            <a:pathLst>
-              <a:path w="3252355" h="1504949">
-                <a:moveTo>
-                  <a:pt x="748145" y="1298863"/>
-                </a:moveTo>
-                <a:cubicBezTo>
-                  <a:pt x="2000250" y="1401906"/>
-                  <a:pt x="3252355" y="1504949"/>
-                  <a:pt x="3127664" y="1288472"/>
-                </a:cubicBezTo>
-                <a:cubicBezTo>
-                  <a:pt x="3002973" y="1071995"/>
-                  <a:pt x="826077" y="297873"/>
-                  <a:pt x="0" y="0"/>
-                </a:cubicBezTo>
-              </a:path>
-            </a:pathLst>
-          </a:custGeom>
-          <a:ln>
-            <a:headEnd type="none" w="med" len="med"/>
-            <a:tailEnd type="none" w="med" len="med"/>
-          </a:ln>
-        </p:spPr>
-        <p:style>
-          <a:lnRef idx="1">
-            <a:schemeClr val="accent4"/>
-          </a:lnRef>
-          <a:fillRef idx="0">
-            <a:schemeClr val="accent4"/>
-          </a:fillRef>
-          <a:effectRef idx="0">
-            <a:schemeClr val="accent4"/>
-          </a:effectRef>
-          <a:fontRef idx="minor">
-            <a:schemeClr val="tx1"/>
-          </a:fontRef>
-        </p:style>
-        <p:txBody>
-          <a:bodyPr vert="horz" wrap="square" lIns="91440" tIns="45720" rIns="91440" bIns="45720" numCol="1" rtlCol="0" anchor="t" anchorCtr="0" compatLnSpc="1">
-            <a:prstTxWarp prst="textNoShape">
-              <a:avLst/>
-            </a:prstTxWarp>
-          </a:bodyPr>
-          <a:lstStyle/>
-          <a:p>
-            <a:pPr marL="0" marR="0" indent="0" algn="l" defTabSz="449263" rtl="0" eaLnBrk="1" fontAlgn="base" latinLnBrk="0" hangingPunct="1">
-              <a:lnSpc>
-                <a:spcPct val="100000"/>
-              </a:lnSpc>
-              <a:spcBef>
-                <a:spcPct val="0"/>
-              </a:spcBef>
-              <a:spcAft>
-                <a:spcPct val="0"/>
-              </a:spcAft>
-              <a:buClr>
-                <a:srgbClr val="000000"/>
-              </a:buClr>
-              <a:buSzPct val="100000"/>
-              <a:buFont typeface="Times New Roman" pitchFamily="16" charset="0"/>
-              <a:buNone/>
-              <a:tabLst/>
-            </a:pPr>
-            <a:endParaRPr kumimoji="0" lang="de-DE" sz="1800" b="0" i="0" u="none" strike="noStrike" cap="none" normalizeH="0" baseline="0" smtClean="0">
-              <a:ln>
-                <a:noFill/>
-              </a:ln>
-              <a:solidFill>
-                <a:schemeClr val="bg1"/>
-              </a:solidFill>
-              <a:effectLst/>
-              <a:latin typeface="Arial" charset="0"/>
-              <a:cs typeface="Lucida Sans Unicode" charset="0"/>
-            </a:endParaRPr>
-          </a:p>
-        </p:txBody>
-      </p:sp>
-      <p:sp>
-        <p:nvSpPr>
-          <p:cNvPr id="11" name="Rechteck 10"/>
-          <p:cNvSpPr/>
-          <p:nvPr/>
-        </p:nvSpPr>
-        <p:spPr>
-          <a:xfrm>
-            <a:off x="7668344" y="5805264"/>
-            <a:ext cx="1008112" cy="369332"/>
-          </a:xfrm>
-          <a:prstGeom prst="rect">
-            <a:avLst/>
-          </a:prstGeom>
-        </p:spPr>
-        <p:txBody>
-          <a:bodyPr wrap="square">
-            <a:spAutoFit/>
-          </a:bodyPr>
-          <a:lstStyle/>
-          <a:p>
-            <a:r>
-              <a:rPr lang="de-DE" dirty="0" smtClean="0">
-                <a:solidFill>
-                  <a:schemeClr val="tx1"/>
-                </a:solidFill>
-              </a:rPr>
-              <a:t> -&gt;URL</a:t>
-            </a:r>
-            <a:endParaRPr lang="de-DE" dirty="0">
-              <a:solidFill>
-                <a:schemeClr val="tx1"/>
-              </a:solidFill>
-            </a:endParaRPr>
-          </a:p>
-        </p:txBody>
-      </p:sp>
-    </p:spTree>
-  </p:cSld>
-  <p:clrMapOvr>
-    <a:masterClrMapping/>
-  </p:clrMapOvr>
-  <p:timing>
-    <p:tnLst>
-      <p:par>
-        <p:cTn id="1" dur="indefinite" restart="never" nodeType="tmRoot"/>
-      </p:par>
-    </p:tnLst>
-  </p:timing>
-</p:sld>
-</file>
-
-<file path=ppt/slides/slide16.xml><?xml version="1.0" encoding="utf-8"?>
-<p:sld xmlns:a="http://schemas.openxmlformats.org/drawingml/2006/main" xmlns:r="http://schemas.openxmlformats.org/officeDocument/2006/relationships" xmlns:p="http://schemas.openxmlformats.org/presentationml/2006/main">
-  <p:cSld>
-    <p:spTree>
-      <p:nvGrpSpPr>
-        <p:cNvPr id="1" name=""/>
-        <p:cNvGrpSpPr/>
-        <p:nvPr/>
-      </p:nvGrpSpPr>
-      <p:grpSpPr>
-        <a:xfrm>
-          <a:off x="0" y="0"/>
-          <a:ext cx="0" cy="0"/>
-          <a:chOff x="0" y="0"/>
-          <a:chExt cx="0" cy="0"/>
-        </a:xfrm>
-      </p:grpSpPr>
-      <p:sp>
-        <p:nvSpPr>
-          <p:cNvPr id="2" name="Titel 1"/>
-          <p:cNvSpPr>
-            <a:spLocks noGrp="1"/>
-          </p:cNvSpPr>
-          <p:nvPr>
-            <p:ph type="title"/>
-          </p:nvPr>
-        </p:nvSpPr>
-        <p:spPr/>
-        <p:txBody>
-          <a:bodyPr/>
-          <a:lstStyle/>
-          <a:p>
+              <a:t>2.1 Website </a:t>
+            </a:r>
             <a:r>
               <a:rPr lang="de-DE" dirty="0" smtClean="0"/>
-              <a:t>Website - Bootstrap</a:t>
+              <a:t>- Bootstrap</a:t>
             </a:r>
             <a:endParaRPr lang="de-DE" dirty="0"/>
           </a:p>
@@ -7213,6 +7374,194 @@
 </p:sld>
 </file>
 
+<file path=ppt/slides/slide16.xml><?xml version="1.0" encoding="utf-8"?>
+<p:sld xmlns:a="http://schemas.openxmlformats.org/drawingml/2006/main" xmlns:r="http://schemas.openxmlformats.org/officeDocument/2006/relationships" xmlns:p="http://schemas.openxmlformats.org/presentationml/2006/main">
+  <p:cSld>
+    <p:spTree>
+      <p:nvGrpSpPr>
+        <p:cNvPr id="1" name=""/>
+        <p:cNvGrpSpPr/>
+        <p:nvPr/>
+      </p:nvGrpSpPr>
+      <p:grpSpPr>
+        <a:xfrm>
+          <a:off x="0" y="0"/>
+          <a:ext cx="0" cy="0"/>
+          <a:chOff x="0" y="0"/>
+          <a:chExt cx="0" cy="0"/>
+        </a:xfrm>
+      </p:grpSpPr>
+      <p:pic>
+        <p:nvPicPr>
+          <p:cNvPr id="5123" name="Picture 3"/>
+          <p:cNvPicPr>
+            <a:picLocks noChangeAspect="1" noChangeArrowheads="1"/>
+          </p:cNvPicPr>
+          <p:nvPr/>
+        </p:nvPicPr>
+        <p:blipFill>
+          <a:blip r:embed="rId3" cstate="print"/>
+          <a:srcRect/>
+          <a:stretch>
+            <a:fillRect/>
+          </a:stretch>
+        </p:blipFill>
+        <p:spPr bwMode="auto">
+          <a:xfrm>
+            <a:off x="5940152" y="1628800"/>
+            <a:ext cx="2800350" cy="3960440"/>
+          </a:xfrm>
+          <a:prstGeom prst="rect">
+            <a:avLst/>
+          </a:prstGeom>
+          <a:noFill/>
+          <a:ln w="9525">
+            <a:noFill/>
+            <a:miter lim="800000"/>
+            <a:headEnd/>
+            <a:tailEnd/>
+          </a:ln>
+        </p:spPr>
+      </p:pic>
+      <p:sp>
+        <p:nvSpPr>
+          <p:cNvPr id="2" name="Titel 1"/>
+          <p:cNvSpPr>
+            <a:spLocks noGrp="1"/>
+          </p:cNvSpPr>
+          <p:nvPr>
+            <p:ph type="title"/>
+          </p:nvPr>
+        </p:nvSpPr>
+        <p:spPr/>
+        <p:txBody>
+          <a:bodyPr/>
+          <a:lstStyle/>
+          <a:p>
+            <a:r>
+              <a:rPr lang="de-DE" dirty="0" smtClean="0"/>
+              <a:t>2.2 Website </a:t>
+            </a:r>
+            <a:r>
+              <a:rPr lang="de-DE" dirty="0" smtClean="0"/>
+              <a:t>- Konzept V1</a:t>
+            </a:r>
+            <a:endParaRPr lang="de-DE" dirty="0"/>
+          </a:p>
+        </p:txBody>
+      </p:sp>
+      <p:pic>
+        <p:nvPicPr>
+          <p:cNvPr id="5122" name="Picture 2"/>
+          <p:cNvPicPr>
+            <a:picLocks noGrp="1" noChangeAspect="1" noChangeArrowheads="1"/>
+          </p:cNvPicPr>
+          <p:nvPr>
+            <p:ph idx="1"/>
+          </p:nvPr>
+        </p:nvPicPr>
+        <p:blipFill>
+          <a:blip r:embed="rId4" cstate="print"/>
+          <a:srcRect/>
+          <a:stretch>
+            <a:fillRect/>
+          </a:stretch>
+        </p:blipFill>
+        <p:spPr bwMode="auto">
+          <a:xfrm>
+            <a:off x="636488" y="2420888"/>
+            <a:ext cx="6367120" cy="3600400"/>
+          </a:xfrm>
+          <a:prstGeom prst="rect">
+            <a:avLst/>
+          </a:prstGeom>
+          <a:noFill/>
+          <a:ln w="9525">
+            <a:noFill/>
+            <a:miter lim="800000"/>
+            <a:headEnd/>
+            <a:tailEnd/>
+          </a:ln>
+        </p:spPr>
+      </p:pic>
+      <p:sp>
+        <p:nvSpPr>
+          <p:cNvPr id="6" name="Rechteck 5"/>
+          <p:cNvSpPr/>
+          <p:nvPr/>
+        </p:nvSpPr>
+        <p:spPr>
+          <a:xfrm>
+            <a:off x="827584" y="980728"/>
+            <a:ext cx="4086503" cy="646331"/>
+          </a:xfrm>
+          <a:prstGeom prst="rect">
+            <a:avLst/>
+          </a:prstGeom>
+        </p:spPr>
+        <p:txBody>
+          <a:bodyPr wrap="none">
+            <a:spAutoFit/>
+          </a:bodyPr>
+          <a:lstStyle/>
+          <a:p>
+            <a:pPr>
+              <a:buFont typeface="Arial" pitchFamily="34" charset="0"/>
+              <a:buChar char="•"/>
+            </a:pPr>
+            <a:r>
+              <a:rPr lang="de-DE" dirty="0" smtClean="0">
+                <a:solidFill>
+                  <a:schemeClr val="tx1"/>
+                </a:solidFill>
+              </a:rPr>
+              <a:t> Auswahl-Liste – Beispiel mit </a:t>
+            </a:r>
+            <a:r>
+              <a:rPr lang="de-DE" dirty="0" smtClean="0">
+                <a:solidFill>
+                  <a:schemeClr val="tx1"/>
+                </a:solidFill>
+              </a:rPr>
+              <a:t>Amerika</a:t>
+            </a:r>
+          </a:p>
+          <a:p>
+            <a:pPr>
+              <a:buFont typeface="Arial" pitchFamily="34" charset="0"/>
+              <a:buChar char="•"/>
+            </a:pPr>
+            <a:r>
+              <a:rPr lang="de-DE" dirty="0" smtClean="0">
+                <a:solidFill>
+                  <a:schemeClr val="tx1"/>
+                </a:solidFill>
+              </a:rPr>
+              <a:t>Bootstrap - Klassen</a:t>
+            </a:r>
+            <a:endParaRPr lang="de-DE" dirty="0">
+              <a:solidFill>
+                <a:schemeClr val="tx1"/>
+              </a:solidFill>
+            </a:endParaRPr>
+          </a:p>
+        </p:txBody>
+      </p:sp>
+    </p:spTree>
+  </p:cSld>
+  <p:clrMapOvr>
+    <a:masterClrMapping/>
+  </p:clrMapOvr>
+  <p:timing>
+    <p:tnLst>
+      <p:par>
+        <p:cTn id="1" dur="indefinite" restart="never" nodeType="tmRoot"/>
+      </p:par>
+    </p:tnLst>
+  </p:timing>
+</p:sld>
+</file>
+
 <file path=ppt/slides/slide17.xml><?xml version="1.0" encoding="utf-8"?>
 <p:sld xmlns:a="http://schemas.openxmlformats.org/drawingml/2006/main" xmlns:r="http://schemas.openxmlformats.org/officeDocument/2006/relationships" xmlns:p="http://schemas.openxmlformats.org/presentationml/2006/main">
   <p:cSld>
@@ -7242,7 +7591,7 @@
           <a:blip r:embed="rId3" cstate="print">
             <a:extLst>
               <a:ext uri="{BEBA8EAE-BF5A-486C-A8C5-ECC9F3942E4B}">
-                <a14:imgProps xmlns:a14="http://schemas.microsoft.com/office/drawing/2010/main">
+                <a14:imgProps xmlns:a14="http://schemas.microsoft.com/office/drawing/2010/main" xmlns="">
                   <a14:imgLayer r:embed="rId4">
                     <a14:imgEffect>
                       <a14:brightnessContrast contrast="-40000"/>
@@ -7252,14 +7601,15 @@
               </a:ext>
             </a:extLst>
           </a:blip>
+          <a:srcRect r="935" b="7177"/>
           <a:stretch>
             <a:fillRect/>
           </a:stretch>
         </p:blipFill>
         <p:spPr>
           <a:xfrm>
-            <a:off x="899592" y="1340768"/>
-            <a:ext cx="7704856" cy="4964848"/>
+            <a:off x="683567" y="1340768"/>
+            <a:ext cx="8109901" cy="4896544"/>
           </a:xfrm>
           <a:prstGeom prst="rect">
             <a:avLst/>
@@ -7283,7 +7633,11 @@
           <a:p>
             <a:r>
               <a:rPr lang="de-DE" dirty="0" smtClean="0"/>
-              <a:t>Website - Konzept V2</a:t>
+              <a:t>2.3 Website </a:t>
+            </a:r>
+            <a:r>
+              <a:rPr lang="de-DE" dirty="0" smtClean="0"/>
+              <a:t>- Konzept V2</a:t>
             </a:r>
             <a:endParaRPr lang="de-DE" dirty="0"/>
           </a:p>
@@ -7315,13 +7669,8 @@
             </a:pPr>
             <a:r>
               <a:rPr lang="de-DE" dirty="0" smtClean="0"/>
-              <a:t> Template sb-admin-2 --&gt; Design/Layout </a:t>
-            </a:r>
-            <a:r>
-              <a:rPr lang="de-DE" dirty="0" smtClean="0"/>
-              <a:t>feststellen</a:t>
-            </a:r>
-            <a:endParaRPr lang="de-DE" dirty="0" smtClean="0"/>
+              <a:t> Template sb-admin-2 --&gt; Design/Layout feststellen</a:t>
+            </a:r>
           </a:p>
         </p:txBody>
       </p:sp>
@@ -7374,7 +7723,11 @@
           <a:p>
             <a:r>
               <a:rPr lang="de-DE" dirty="0" smtClean="0"/>
-              <a:t>Website - Konzept V2</a:t>
+              <a:t>2.3 Website </a:t>
+            </a:r>
+            <a:r>
+              <a:rPr lang="de-DE" dirty="0" smtClean="0"/>
+              <a:t>- Konzept V2</a:t>
             </a:r>
             <a:endParaRPr lang="de-DE" dirty="0"/>
           </a:p>
@@ -7401,13 +7754,8 @@
             </a:pPr>
             <a:r>
               <a:rPr lang="de-DE" dirty="0" smtClean="0"/>
-              <a:t> Die Karte Implementierung -  mit Leaflet </a:t>
-            </a:r>
-            <a:r>
-              <a:rPr lang="de-DE" dirty="0" smtClean="0"/>
-              <a:t>(JavaScript Plug-In)</a:t>
-            </a:r>
-            <a:endParaRPr lang="de-DE" dirty="0" smtClean="0"/>
+              <a:t> Die Karte Implementierung -  mit Leaflet (JavaScript Plug-In)</a:t>
+            </a:r>
           </a:p>
           <a:p>
             <a:pPr>
@@ -7468,11 +7816,11 @@
           <p:nvPr/>
         </p:nvPicPr>
         <p:blipFill rotWithShape="1">
-          <a:blip r:embed="rId2">
+          <a:blip r:embed="rId3" cstate="print">
             <a:extLst>
               <a:ext uri="{BEBA8EAE-BF5A-486C-A8C5-ECC9F3942E4B}">
-                <a14:imgProps xmlns:a14="http://schemas.microsoft.com/office/drawing/2010/main">
-                  <a14:imgLayer r:embed="rId3">
+                <a14:imgProps xmlns:a14="http://schemas.microsoft.com/office/drawing/2010/main" xmlns="">
+                  <a14:imgLayer r:embed="rId4">
                     <a14:imgEffect>
                       <a14:brightnessContrast contrast="-20000"/>
                     </a14:imgEffect>
@@ -7480,7 +7828,7 @@
                 </a14:imgProps>
               </a:ext>
               <a:ext uri="{28A0092B-C50C-407E-A947-70E740481C1C}">
-                <a14:useLocalDpi xmlns:a14="http://schemas.microsoft.com/office/drawing/2010/main" val="0"/>
+                <a14:useLocalDpi xmlns:a14="http://schemas.microsoft.com/office/drawing/2010/main" xmlns="" val="0"/>
               </a:ext>
             </a:extLst>
           </a:blip>
@@ -7489,8 +7837,8 @@
         </p:blipFill>
         <p:spPr>
           <a:xfrm>
-            <a:off x="442345" y="1484784"/>
-            <a:ext cx="8522144" cy="4392488"/>
+            <a:off x="467544" y="1340768"/>
+            <a:ext cx="8522144" cy="4752528"/>
           </a:xfrm>
           <a:prstGeom prst="rect">
             <a:avLst/>
@@ -7546,7 +7894,11 @@
           <a:p>
             <a:r>
               <a:rPr lang="de-DE" dirty="0" smtClean="0"/>
-              <a:t>Website - Konzept V2</a:t>
+              <a:t>2.3 Website </a:t>
+            </a:r>
+            <a:r>
+              <a:rPr lang="de-DE" dirty="0" smtClean="0"/>
+              <a:t>- Konzept V2</a:t>
             </a:r>
             <a:endParaRPr lang="de-DE" dirty="0"/>
           </a:p>
@@ -7563,7 +7915,7 @@
           </p:nvPr>
         </p:nvPicPr>
         <p:blipFill>
-          <a:blip r:embed="rId2" cstate="print"/>
+          <a:blip r:embed="rId3" cstate="print"/>
           <a:stretch>
             <a:fillRect/>
           </a:stretch>
@@ -7806,11 +8158,7 @@
             </a:pPr>
             <a:r>
               <a:rPr lang="de-DE" dirty="0" smtClean="0"/>
-              <a:t> mittels </a:t>
-            </a:r>
-            <a:r>
-              <a:rPr lang="de-DE" dirty="0" smtClean="0"/>
-              <a:t>einer Website mit jeweiligen grafischen Mitteln</a:t>
+              <a:t> mittels einer Website mit jeweiligen grafischen Mitteln</a:t>
             </a:r>
           </a:p>
           <a:p>
@@ -7874,7 +8222,11 @@
           <a:p>
             <a:r>
               <a:rPr lang="de-DE" dirty="0" smtClean="0"/>
-              <a:t>Daten - Visualisieren</a:t>
+              <a:t>3. Daten </a:t>
+            </a:r>
+            <a:r>
+              <a:rPr lang="de-DE" dirty="0" smtClean="0"/>
+              <a:t>- Visualisieren</a:t>
             </a:r>
             <a:br>
               <a:rPr lang="de-DE" dirty="0" smtClean="0"/>
@@ -7921,13 +8273,8 @@
             </a:pPr>
             <a:r>
               <a:rPr lang="de-DE" dirty="0" smtClean="0"/>
-              <a:t> mehrere getestet – eine Auswahl nach </a:t>
-            </a:r>
-            <a:r>
-              <a:rPr lang="de-DE" dirty="0" smtClean="0"/>
-              <a:t>Kriterien, z.B.: </a:t>
-            </a:r>
-            <a:endParaRPr lang="de-DE" dirty="0" smtClean="0"/>
+              <a:t> mehrere getestet – eine Auswahl nach Kriterien, z.B.: </a:t>
+            </a:r>
           </a:p>
           <a:p>
             <a:pPr lvl="2"/>
@@ -7995,7 +8342,6 @@
               <a:rPr lang="de-DE" dirty="0" smtClean="0"/>
               <a:t> Amcharts.html</a:t>
             </a:r>
-            <a:endParaRPr lang="de-DE" dirty="0" smtClean="0"/>
           </a:p>
           <a:p>
             <a:pPr lvl="2">
@@ -8004,13 +8350,8 @@
             </a:pPr>
             <a:r>
               <a:rPr lang="de-DE" dirty="0" smtClean="0"/>
-              <a:t> </a:t>
-            </a:r>
-            <a:r>
-              <a:rPr lang="de-DE" dirty="0" smtClean="0"/>
-              <a:t>dyGraphs.html</a:t>
-            </a:r>
-            <a:endParaRPr lang="de-DE" dirty="0" smtClean="0"/>
+              <a:t> dyGraphs.html</a:t>
+            </a:r>
           </a:p>
           <a:p>
             <a:pPr lvl="1">
@@ -8069,7 +8410,11 @@
           <a:p>
             <a:r>
               <a:rPr lang="de-DE" dirty="0" smtClean="0"/>
-              <a:t>SQL - Datenbank</a:t>
+              <a:t>4. SQL </a:t>
+            </a:r>
+            <a:r>
+              <a:rPr lang="de-DE" dirty="0" smtClean="0"/>
+              <a:t>- Datenbank</a:t>
             </a:r>
             <a:endParaRPr lang="de-DE" dirty="0"/>
           </a:p>
@@ -8109,15 +8454,7 @@
             </a:pPr>
             <a:r>
               <a:rPr lang="de-DE" dirty="0" smtClean="0"/>
-              <a:t>Datenbank mit </a:t>
-            </a:r>
-            <a:r>
-              <a:rPr lang="de-DE" dirty="0" smtClean="0"/>
-              <a:t>allen </a:t>
-            </a:r>
-            <a:r>
-              <a:rPr lang="de-DE" dirty="0" smtClean="0"/>
-              <a:t>Daten eines Kraftwerkes: </a:t>
+              <a:t>Datenbank mit allen Daten eines Kraftwerkes: </a:t>
             </a:r>
           </a:p>
           <a:p>
@@ -8137,13 +8474,8 @@
             </a:pPr>
             <a:r>
               <a:rPr lang="de-DE" dirty="0" smtClean="0"/>
-              <a:t>Meta-Datenbank mit </a:t>
-            </a:r>
-            <a:r>
-              <a:rPr lang="de-DE" dirty="0" smtClean="0"/>
-              <a:t>allen allgemeinen Informationen, z.B.: </a:t>
-            </a:r>
-            <a:endParaRPr lang="de-DE" dirty="0" smtClean="0"/>
+              <a:t>Meta-Datenbank mit allen allgemeinen Informationen, z.B.: </a:t>
+            </a:r>
           </a:p>
           <a:p>
             <a:pPr lvl="3">
@@ -8294,7 +8626,11 @@
           <a:p>
             <a:r>
               <a:rPr lang="de-DE" dirty="0" smtClean="0"/>
-              <a:t>SQL - Quellcode</a:t>
+              <a:t>4.1 SQL </a:t>
+            </a:r>
+            <a:r>
+              <a:rPr lang="de-DE" dirty="0" smtClean="0"/>
+              <a:t>- Quellcode</a:t>
             </a:r>
             <a:endParaRPr lang="de-DE" dirty="0"/>
           </a:p>
@@ -8780,7 +9116,11 @@
           <a:p>
             <a:r>
               <a:rPr lang="de-DE" dirty="0" smtClean="0"/>
-              <a:t>SQL - phpPgAdmin Interface</a:t>
+              <a:t>4.2 SQL </a:t>
+            </a:r>
+            <a:r>
+              <a:rPr lang="de-DE" dirty="0" smtClean="0"/>
+              <a:t>- phpPgAdmin Interface</a:t>
             </a:r>
             <a:endParaRPr lang="de-DE" dirty="0"/>
           </a:p>
@@ -8804,8 +9144,8 @@
         </p:blipFill>
         <p:spPr>
           <a:xfrm>
-            <a:off x="683568" y="1340768"/>
-            <a:ext cx="8145849" cy="3456384"/>
+            <a:off x="467544" y="1340768"/>
+            <a:ext cx="8496944" cy="3605358"/>
           </a:xfrm>
         </p:spPr>
       </p:pic>
@@ -9012,7 +9352,231 @@
           <a:p>
             <a:r>
               <a:rPr lang="de-DE" dirty="0" smtClean="0"/>
-              <a:t>Ergebnis</a:t>
+              <a:t>5. PHP</a:t>
+            </a:r>
+            <a:endParaRPr lang="de-DE" dirty="0"/>
+          </a:p>
+        </p:txBody>
+      </p:sp>
+      <p:sp>
+        <p:nvSpPr>
+          <p:cNvPr id="3" name="Inhaltsplatzhalter 2"/>
+          <p:cNvSpPr>
+            <a:spLocks noGrp="1"/>
+          </p:cNvSpPr>
+          <p:nvPr>
+            <p:ph idx="1"/>
+          </p:nvPr>
+        </p:nvSpPr>
+        <p:spPr/>
+        <p:txBody>
+          <a:bodyPr/>
+          <a:lstStyle/>
+          <a:p>
+            <a:pPr>
+              <a:buFont typeface="Arial" pitchFamily="34" charset="0"/>
+              <a:buChar char="•"/>
+            </a:pPr>
+            <a:r>
+              <a:rPr lang="de-DE" dirty="0" smtClean="0"/>
+              <a:t> server-seitige Skriptsprache</a:t>
+            </a:r>
+          </a:p>
+          <a:p>
+            <a:pPr>
+              <a:buFont typeface="Arial" pitchFamily="34" charset="0"/>
+              <a:buChar char="•"/>
+            </a:pPr>
+            <a:r>
+              <a:rPr lang="de-DE" dirty="0" smtClean="0"/>
+              <a:t> dynamisch, automatisiert -&gt;</a:t>
+            </a:r>
+            <a:endParaRPr lang="de-DE" dirty="0"/>
+          </a:p>
+        </p:txBody>
+      </p:sp>
+      <p:pic>
+        <p:nvPicPr>
+          <p:cNvPr id="1026" name="Picture 2" descr="C:\bin\Praktikumsbericht\Bericht\PPT\Pics\PHP_modules_phppgadmin.PNG"/>
+          <p:cNvPicPr>
+            <a:picLocks noChangeAspect="1" noChangeArrowheads="1"/>
+          </p:cNvPicPr>
+          <p:nvPr/>
+        </p:nvPicPr>
+        <p:blipFill>
+          <a:blip r:embed="rId3" cstate="print"/>
+          <a:srcRect r="42353"/>
+          <a:stretch>
+            <a:fillRect/>
+          </a:stretch>
+        </p:blipFill>
+        <p:spPr bwMode="auto">
+          <a:xfrm>
+            <a:off x="5076056" y="1484784"/>
+            <a:ext cx="3888432" cy="4914901"/>
+          </a:xfrm>
+          <a:prstGeom prst="rect">
+            <a:avLst/>
+          </a:prstGeom>
+          <a:noFill/>
+        </p:spPr>
+      </p:pic>
+      <p:pic>
+        <p:nvPicPr>
+          <p:cNvPr id="1027" name="Picture 3" descr="C:\bin\Praktikumsbericht\Bericht\PPT\Pics\PHP_modules.PNG"/>
+          <p:cNvPicPr>
+            <a:picLocks noChangeAspect="1" noChangeArrowheads="1"/>
+          </p:cNvPicPr>
+          <p:nvPr/>
+        </p:nvPicPr>
+        <p:blipFill>
+          <a:blip r:embed="rId4" cstate="print"/>
+          <a:srcRect r="49676" b="47857"/>
+          <a:stretch>
+            <a:fillRect/>
+          </a:stretch>
+        </p:blipFill>
+        <p:spPr bwMode="auto">
+          <a:xfrm>
+            <a:off x="1115616" y="1772816"/>
+            <a:ext cx="2376264" cy="4392488"/>
+          </a:xfrm>
+          <a:prstGeom prst="rect">
+            <a:avLst/>
+          </a:prstGeom>
+          <a:noFill/>
+        </p:spPr>
+      </p:pic>
+      <p:sp>
+        <p:nvSpPr>
+          <p:cNvPr id="6" name="Geschweifte Klammer links 5"/>
+          <p:cNvSpPr/>
+          <p:nvPr/>
+        </p:nvSpPr>
+        <p:spPr bwMode="auto">
+          <a:xfrm>
+            <a:off x="2699792" y="3140968"/>
+            <a:ext cx="2448272" cy="1656184"/>
+          </a:xfrm>
+          <a:prstGeom prst="leftBrace">
+            <a:avLst/>
+          </a:prstGeom>
+          <a:ln>
+            <a:headEnd type="none" w="med" len="med"/>
+            <a:tailEnd type="none" w="med" len="med"/>
+          </a:ln>
+        </p:spPr>
+        <p:style>
+          <a:lnRef idx="2">
+            <a:schemeClr val="accent4"/>
+          </a:lnRef>
+          <a:fillRef idx="0">
+            <a:schemeClr val="accent4"/>
+          </a:fillRef>
+          <a:effectRef idx="1">
+            <a:schemeClr val="accent4"/>
+          </a:effectRef>
+          <a:fontRef idx="minor">
+            <a:schemeClr val="tx1"/>
+          </a:fontRef>
+        </p:style>
+        <p:txBody>
+          <a:bodyPr vert="horz" wrap="square" lIns="91440" tIns="45720" rIns="91440" bIns="45720" numCol="1" rtlCol="0" anchor="t" anchorCtr="0" compatLnSpc="1">
+            <a:prstTxWarp prst="textNoShape">
+              <a:avLst/>
+            </a:prstTxWarp>
+          </a:bodyPr>
+          <a:lstStyle/>
+          <a:p>
+            <a:pPr marL="0" marR="0" indent="0" algn="l" defTabSz="449263" rtl="0" eaLnBrk="1" fontAlgn="base" latinLnBrk="0" hangingPunct="1">
+              <a:lnSpc>
+                <a:spcPct val="100000"/>
+              </a:lnSpc>
+              <a:spcBef>
+                <a:spcPct val="0"/>
+              </a:spcBef>
+              <a:spcAft>
+                <a:spcPct val="0"/>
+              </a:spcAft>
+              <a:buClr>
+                <a:srgbClr val="000000"/>
+              </a:buClr>
+              <a:buSzPct val="100000"/>
+              <a:buFont typeface="Times New Roman" pitchFamily="16" charset="0"/>
+              <a:buNone/>
+              <a:tabLst/>
+            </a:pPr>
+            <a:endParaRPr kumimoji="0" lang="de-DE" sz="1800" b="1" i="0" u="none" strike="noStrike" normalizeH="0" baseline="0" smtClean="0">
+              <a:ln w="12700">
+                <a:solidFill>
+                  <a:schemeClr val="tx2">
+                    <a:satMod val="155000"/>
+                  </a:schemeClr>
+                </a:solidFill>
+                <a:prstDash val="solid"/>
+              </a:ln>
+              <a:solidFill>
+                <a:schemeClr val="bg2">
+                  <a:tint val="85000"/>
+                  <a:satMod val="155000"/>
+                </a:schemeClr>
+              </a:solidFill>
+              <a:effectLst>
+                <a:outerShdw blurRad="41275" dist="20320" dir="1800000" algn="tl" rotWithShape="0">
+                  <a:srgbClr val="000000">
+                    <a:alpha val="40000"/>
+                  </a:srgbClr>
+                </a:outerShdw>
+              </a:effectLst>
+              <a:latin typeface="Arial" charset="0"/>
+              <a:cs typeface="Lucida Sans Unicode" charset="0"/>
+            </a:endParaRPr>
+          </a:p>
+        </p:txBody>
+      </p:sp>
+    </p:spTree>
+  </p:cSld>
+  <p:clrMapOvr>
+    <a:masterClrMapping/>
+  </p:clrMapOvr>
+</p:sld>
+</file>
+
+<file path=ppt/slides/slide25.xml><?xml version="1.0" encoding="utf-8"?>
+<p:sld xmlns:a="http://schemas.openxmlformats.org/drawingml/2006/main" xmlns:r="http://schemas.openxmlformats.org/officeDocument/2006/relationships" xmlns:p="http://schemas.openxmlformats.org/presentationml/2006/main">
+  <p:cSld>
+    <p:spTree>
+      <p:nvGrpSpPr>
+        <p:cNvPr id="1" name=""/>
+        <p:cNvGrpSpPr/>
+        <p:nvPr/>
+      </p:nvGrpSpPr>
+      <p:grpSpPr>
+        <a:xfrm>
+          <a:off x="0" y="0"/>
+          <a:ext cx="0" cy="0"/>
+          <a:chOff x="0" y="0"/>
+          <a:chExt cx="0" cy="0"/>
+        </a:xfrm>
+      </p:grpSpPr>
+      <p:sp>
+        <p:nvSpPr>
+          <p:cNvPr id="2" name="Titel 1"/>
+          <p:cNvSpPr>
+            <a:spLocks noGrp="1"/>
+          </p:cNvSpPr>
+          <p:nvPr>
+            <p:ph type="title"/>
+          </p:nvPr>
+        </p:nvSpPr>
+        <p:spPr/>
+        <p:txBody>
+          <a:bodyPr/>
+          <a:lstStyle/>
+          <a:p>
+            <a:r>
+              <a:rPr lang="de-DE" dirty="0" smtClean="0"/>
+              <a:t>6. Ergebnis</a:t>
             </a:r>
             <a:endParaRPr lang="de-DE" dirty="0"/>
           </a:p>
@@ -9107,7 +9671,7 @@
 </p:sld>
 </file>
 
-<file path=ppt/slides/slide25.xml><?xml version="1.0" encoding="utf-8"?>
+<file path=ppt/slides/slide26.xml><?xml version="1.0" encoding="utf-8"?>
 <p:sld xmlns:a="http://schemas.openxmlformats.org/drawingml/2006/main" xmlns:r="http://schemas.openxmlformats.org/officeDocument/2006/relationships" xmlns:p="http://schemas.openxmlformats.org/presentationml/2006/main" showMasterPhAnim="0">
   <p:cSld>
     <p:spTree>
@@ -9623,7 +10187,7 @@
                 </a:solidFill>
                 <a:cs typeface="Lucida Sans Unicode" charset="0"/>
               </a:rPr>
-              <a:t>Container </a:t>
+              <a:t>Kraftwerksblock</a:t>
             </a:r>
             <a:endParaRPr kumimoji="0" lang="en-US" sz="2000" b="0" i="0" u="none" strike="noStrike" cap="none" normalizeH="0" baseline="0" dirty="0" smtClean="0">
               <a:ln>
@@ -9730,7 +10294,7 @@
                 </a:solidFill>
                 <a:cs typeface="Lucida Sans Unicode" charset="0"/>
               </a:rPr>
-              <a:t>Server</a:t>
+              <a:t>Server mit</a:t>
             </a:r>
           </a:p>
           <a:p>
@@ -10207,124 +10771,6 @@
       </p:sp>
       <p:sp>
         <p:nvSpPr>
-          <p:cNvPr id="16" name="TextovéPole 15"/>
-          <p:cNvSpPr txBox="1"/>
-          <p:nvPr/>
-        </p:nvSpPr>
-        <p:spPr bwMode="auto">
-          <a:xfrm>
-            <a:off x="3745215" y="3180407"/>
-            <a:ext cx="1667902" cy="351763"/>
-          </a:xfrm>
-          <a:prstGeom prst="rect">
-            <a:avLst/>
-          </a:prstGeom>
-          <a:noFill/>
-          <a:ln w="9525">
-            <a:noFill/>
-            <a:round/>
-            <a:headEnd/>
-            <a:tailEnd/>
-          </a:ln>
-        </p:spPr>
-        <p:txBody>
-          <a:bodyPr wrap="square" lIns="0" tIns="0" rIns="0" bIns="0" rtlCol="0">
-            <a:spAutoFit/>
-          </a:bodyPr>
-          <a:lstStyle/>
-          <a:p>
-            <a:pPr indent="-342900" algn="ctr">
-              <a:lnSpc>
-                <a:spcPct val="140000"/>
-              </a:lnSpc>
-              <a:buClr>
-                <a:srgbClr val="000000"/>
-              </a:buClr>
-              <a:buSzPct val="100000"/>
-              <a:buFont typeface="Times New Roman" pitchFamily="18" charset="0"/>
-              <a:buNone/>
-            </a:pPr>
-            <a:r>
-              <a:rPr lang="de-DE" kern="0" dirty="0" smtClean="0">
-                <a:solidFill>
-                  <a:srgbClr val="4D5153"/>
-                </a:solidFill>
-                <a:latin typeface="Calibri" pitchFamily="34" charset="0"/>
-                <a:cs typeface="+mn-cs"/>
-              </a:rPr>
-              <a:t>PHP, SQL </a:t>
-            </a:r>
-            <a:endParaRPr lang="en-US" kern="0" dirty="0" err="1">
-              <a:solidFill>
-                <a:srgbClr val="4D5153"/>
-              </a:solidFill>
-              <a:latin typeface="Calibri" pitchFamily="34" charset="0"/>
-              <a:cs typeface="+mn-cs"/>
-            </a:endParaRPr>
-          </a:p>
-        </p:txBody>
-      </p:sp>
-      <p:sp>
-        <p:nvSpPr>
-          <p:cNvPr id="17" name="TextovéPole 16"/>
-          <p:cNvSpPr txBox="1"/>
-          <p:nvPr/>
-        </p:nvSpPr>
-        <p:spPr bwMode="auto">
-          <a:xfrm>
-            <a:off x="6356414" y="3163577"/>
-            <a:ext cx="1667902" cy="351763"/>
-          </a:xfrm>
-          <a:prstGeom prst="rect">
-            <a:avLst/>
-          </a:prstGeom>
-          <a:noFill/>
-          <a:ln w="9525">
-            <a:noFill/>
-            <a:round/>
-            <a:headEnd/>
-            <a:tailEnd/>
-          </a:ln>
-        </p:spPr>
-        <p:txBody>
-          <a:bodyPr wrap="square" lIns="0" tIns="0" rIns="0" bIns="0" rtlCol="0">
-            <a:spAutoFit/>
-          </a:bodyPr>
-          <a:lstStyle/>
-          <a:p>
-            <a:pPr indent="-342900" algn="ctr">
-              <a:lnSpc>
-                <a:spcPct val="140000"/>
-              </a:lnSpc>
-              <a:buClr>
-                <a:srgbClr val="000000"/>
-              </a:buClr>
-              <a:buSzPct val="100000"/>
-              <a:buFont typeface="Times New Roman" pitchFamily="18" charset="0"/>
-              <a:buNone/>
-            </a:pPr>
-            <a:r>
-              <a:rPr lang="de-DE" kern="0" dirty="0" smtClean="0">
-                <a:solidFill>
-                  <a:srgbClr val="4D5153"/>
-                </a:solidFill>
-                <a:latin typeface="Calibri" pitchFamily="34" charset="0"/>
-                <a:cs typeface="+mn-cs"/>
-              </a:rPr>
-              <a:t>HTML, CSS, JS</a:t>
-            </a:r>
-            <a:endParaRPr lang="en-US" kern="0" dirty="0" err="1">
-              <a:solidFill>
-                <a:srgbClr val="4D5153"/>
-              </a:solidFill>
-              <a:latin typeface="Calibri" pitchFamily="34" charset="0"/>
-              <a:cs typeface="+mn-cs"/>
-            </a:endParaRPr>
-          </a:p>
-        </p:txBody>
-      </p:sp>
-      <p:sp>
-        <p:nvSpPr>
           <p:cNvPr id="18" name="TextovéPole 17"/>
           <p:cNvSpPr txBox="1"/>
           <p:nvPr/>
@@ -10385,7 +10831,7 @@
     </p:spTree>
     <p:extLst>
       <p:ext uri="{BB962C8B-B14F-4D97-AF65-F5344CB8AC3E}">
-        <p14:creationId xmlns:p14="http://schemas.microsoft.com/office/powerpoint/2010/main" val="3199101970"/>
+        <p14:creationId xmlns:p14="http://schemas.microsoft.com/office/powerpoint/2010/main" xmlns="" val="3199101970"/>
       </p:ext>
     </p:extLst>
   </p:cSld>
@@ -10505,7 +10951,6 @@
               <a:rPr lang="de-DE" sz="2000" dirty="0" smtClean="0"/>
               <a:t>V1</a:t>
             </a:r>
-            <a:endParaRPr lang="de-DE" sz="2000" dirty="0" smtClean="0"/>
           </a:p>
           <a:p>
             <a:pPr marL="745200" lvl="1" indent="-457200">
@@ -10551,15 +10996,22 @@
             </a:pPr>
             <a:r>
               <a:rPr lang="de-DE" sz="2000" dirty="0" smtClean="0"/>
-              <a:t>4.2 		</a:t>
-            </a:r>
-            <a:r>
-              <a:rPr lang="de-DE" sz="2000" dirty="0" err="1" smtClean="0"/>
-              <a:t>phpPgAdmin</a:t>
+              <a:t>4.2 		phpPgAdmin </a:t>
             </a:r>
             <a:r>
               <a:rPr lang="de-DE" sz="2000" dirty="0" smtClean="0"/>
-              <a:t> Interface</a:t>
+              <a:t>Interface</a:t>
+            </a:r>
+            <a:endParaRPr lang="de-DE" sz="2000" dirty="0" smtClean="0"/>
+          </a:p>
+          <a:p>
+            <a:pPr marL="457200" indent="-457200">
+              <a:buFont typeface="+mj-lt"/>
+              <a:buAutoNum type="arabicPeriod"/>
+            </a:pPr>
+            <a:r>
+              <a:rPr lang="de-DE" dirty="0" smtClean="0"/>
+              <a:t>PHP</a:t>
             </a:r>
           </a:p>
           <a:p>
@@ -10624,7 +11076,11 @@
           <a:p>
             <a:r>
               <a:rPr lang="de-DE" dirty="0" smtClean="0"/>
-              <a:t>Konzept - Erstellung</a:t>
+              <a:t>1. Konzept </a:t>
+            </a:r>
+            <a:r>
+              <a:rPr lang="de-DE" dirty="0" smtClean="0"/>
+              <a:t>- Erstellung</a:t>
             </a:r>
             <a:endParaRPr lang="de-DE" dirty="0"/>
           </a:p>
@@ -10658,15 +11114,7 @@
             </a:pPr>
             <a:r>
               <a:rPr lang="de-DE" dirty="0" smtClean="0"/>
-              <a:t> </a:t>
-            </a:r>
-            <a:r>
-              <a:rPr lang="de-DE" dirty="0" smtClean="0"/>
-              <a:t>Entwürfe </a:t>
-            </a:r>
-            <a:r>
-              <a:rPr lang="de-DE" dirty="0" smtClean="0"/>
-              <a:t>mit dem GIMP oder ‚auf dem Papier‘</a:t>
+              <a:t> Entwürfe mit dem GIMP oder ‚auf dem Papier‘</a:t>
             </a:r>
           </a:p>
           <a:p>
@@ -10786,7 +11234,11 @@
           <a:p>
             <a:r>
               <a:rPr lang="de-DE" dirty="0" smtClean="0"/>
-              <a:t>Konzept - Login Seite</a:t>
+              <a:t>1. Konzept </a:t>
+            </a:r>
+            <a:r>
+              <a:rPr lang="de-DE" dirty="0" smtClean="0"/>
+              <a:t>- Login Seite</a:t>
             </a:r>
             <a:endParaRPr lang="de-DE" dirty="0"/>
           </a:p>
@@ -10875,7 +11327,11 @@
           <a:p>
             <a:r>
               <a:rPr lang="de-DE" dirty="0" smtClean="0"/>
-              <a:t>Konzept - Anlageblöcke 1</a:t>
+              <a:t>1. Konzept </a:t>
+            </a:r>
+            <a:r>
+              <a:rPr lang="de-DE" dirty="0" smtClean="0"/>
+              <a:t>- Anlageblöcke 1</a:t>
             </a:r>
             <a:endParaRPr lang="de-DE" dirty="0"/>
           </a:p>
@@ -10904,7 +11360,7 @@
             </a:duotone>
             <a:extLst>
               <a:ext uri="{BEBA8EAE-BF5A-486C-A8C5-ECC9F3942E4B}">
-                <a14:imgProps xmlns:a14="http://schemas.microsoft.com/office/drawing/2010/main">
+                <a14:imgProps xmlns:a14="http://schemas.microsoft.com/office/drawing/2010/main" xmlns="">
                   <a14:imgLayer r:embed="rId4">
                     <a14:imgEffect>
                       <a14:saturation sat="33000"/>
@@ -10979,7 +11435,11 @@
           <a:p>
             <a:r>
               <a:rPr lang="de-DE" dirty="0" smtClean="0"/>
-              <a:t>Konzept - Anlageblöcke 2</a:t>
+              <a:t>1. Konzept </a:t>
+            </a:r>
+            <a:r>
+              <a:rPr lang="de-DE" dirty="0" smtClean="0"/>
+              <a:t>- Anlageblöcke 2</a:t>
             </a:r>
             <a:endParaRPr lang="de-DE" dirty="0"/>
           </a:p>
@@ -11195,7 +11655,7 @@
           <a:p>
             <a:r>
               <a:rPr lang="de-DE" dirty="0" smtClean="0"/>
-              <a:t>Umsetzung</a:t>
+              <a:t>2. Umsetzung</a:t>
             </a:r>
             <a:endParaRPr lang="de-DE" dirty="0"/>
           </a:p>
@@ -11229,11 +11689,7 @@
             </a:pPr>
             <a:r>
               <a:rPr lang="de-DE" dirty="0" smtClean="0"/>
-              <a:t>Statische Umsetzung der Visualisierung mit Web Sprachen (HTML, CSS und JavaScript</a:t>
-            </a:r>
-            <a:r>
-              <a:rPr lang="de-DE" dirty="0" smtClean="0"/>
-              <a:t>)</a:t>
+              <a:t>Statische Umsetzung der Visualisierung mit Web Sprachen (HTML, CSS und JavaScript)</a:t>
             </a:r>
           </a:p>
           <a:p>
@@ -11250,15 +11706,7 @@
             </a:pPr>
             <a:r>
               <a:rPr lang="de-DE" dirty="0" smtClean="0"/>
-              <a:t> 	</a:t>
-            </a:r>
-            <a:r>
-              <a:rPr lang="de-DE" dirty="0" smtClean="0"/>
-              <a:t> Software</a:t>
-            </a:r>
-            <a:r>
-              <a:rPr lang="de-DE" dirty="0" smtClean="0"/>
-              <a:t>: 	Editor = Sublime Text 2</a:t>
+              <a:t> 	 Software: 	Editor = Sublime Text 2</a:t>
             </a:r>
           </a:p>
           <a:p>
@@ -11291,11 +11739,7 @@
             </a:r>
             <a:r>
               <a:rPr lang="de-DE" dirty="0" smtClean="0"/>
-              <a:t>Bootstrap</a:t>
-            </a:r>
-            <a:r>
-              <a:rPr lang="de-DE" dirty="0" smtClean="0"/>
-              <a:t>		 </a:t>
+              <a:t>Bootstrap		 </a:t>
             </a:r>
             <a:r>
               <a:rPr lang="de-DE" sz="2000" dirty="0" smtClean="0"/>
